--- a/기획서/TimeOut 기획 수정안.pptx
+++ b/기획서/TimeOut 기획 수정안.pptx
@@ -4,13 +4,21 @@
   <p:sldMasterIdLst>
     <p:sldMasterId id="2147483648" r:id="rId1"/>
   </p:sldMasterIdLst>
+  <p:notesMasterIdLst>
+    <p:notesMasterId r:id="rId13"/>
+  </p:notesMasterIdLst>
   <p:sldIdLst>
     <p:sldId id="256" r:id="rId2"/>
     <p:sldId id="257" r:id="rId3"/>
-    <p:sldId id="259" r:id="rId4"/>
-    <p:sldId id="262" r:id="rId5"/>
-    <p:sldId id="261" r:id="rId6"/>
-    <p:sldId id="258" r:id="rId7"/>
+    <p:sldId id="263" r:id="rId4"/>
+    <p:sldId id="264" r:id="rId5"/>
+    <p:sldId id="265" r:id="rId6"/>
+    <p:sldId id="266" r:id="rId7"/>
+    <p:sldId id="259" r:id="rId8"/>
+    <p:sldId id="262" r:id="rId9"/>
+    <p:sldId id="268" r:id="rId10"/>
+    <p:sldId id="261" r:id="rId11"/>
+    <p:sldId id="258" r:id="rId12"/>
   </p:sldIdLst>
   <p:sldSz cx="12192000" cy="6858000"/>
   <p:notesSz cx="6858000" cy="9144000"/>
@@ -109,7 +117,529 @@
       </a:defRPr>
     </a:lvl9pPr>
   </p:defaultTextStyle>
+  <p:extLst>
+    <p:ext uri="{EFAFB233-063F-42B5-8137-9DF3F51BA10A}">
+      <p15:sldGuideLst xmlns:p15="http://schemas.microsoft.com/office/powerpoint/2012/main"/>
+    </p:ext>
+  </p:extLst>
 </p:presentation>
+</file>
+
+<file path=ppt/notesMasters/notesMaster1.xml><?xml version="1.0" encoding="utf-8"?>
+<p:notesMaster xmlns:a="http://schemas.openxmlformats.org/drawingml/2006/main" xmlns:r="http://schemas.openxmlformats.org/officeDocument/2006/relationships" xmlns:p="http://schemas.openxmlformats.org/presentationml/2006/main">
+  <p:cSld>
+    <p:bg>
+      <p:bgRef idx="1001">
+        <a:schemeClr val="bg1"/>
+      </p:bgRef>
+    </p:bg>
+    <p:spTree>
+      <p:nvGrpSpPr>
+        <p:cNvPr id="1" name=""/>
+        <p:cNvGrpSpPr/>
+        <p:nvPr/>
+      </p:nvGrpSpPr>
+      <p:grpSpPr>
+        <a:xfrm>
+          <a:off x="0" y="0"/>
+          <a:ext cx="0" cy="0"/>
+          <a:chOff x="0" y="0"/>
+          <a:chExt cx="0" cy="0"/>
+        </a:xfrm>
+      </p:grpSpPr>
+      <p:sp>
+        <p:nvSpPr>
+          <p:cNvPr id="2" name="머리글 개체 틀 1"/>
+          <p:cNvSpPr>
+            <a:spLocks noGrp="1"/>
+          </p:cNvSpPr>
+          <p:nvPr>
+            <p:ph type="hdr" sz="quarter"/>
+          </p:nvPr>
+        </p:nvSpPr>
+        <p:spPr>
+          <a:xfrm>
+            <a:off x="0" y="0"/>
+            <a:ext cx="2971800" cy="458788"/>
+          </a:xfrm>
+          <a:prstGeom prst="rect">
+            <a:avLst/>
+          </a:prstGeom>
+        </p:spPr>
+        <p:txBody>
+          <a:bodyPr vert="horz" lIns="91440" tIns="45720" rIns="91440" bIns="45720" rtlCol="0"/>
+          <a:lstStyle>
+            <a:lvl1pPr algn="l">
+              <a:defRPr sz="1200"/>
+            </a:lvl1pPr>
+          </a:lstStyle>
+          <a:p>
+            <a:endParaRPr lang="ko-KR" altLang="en-US"/>
+          </a:p>
+        </p:txBody>
+      </p:sp>
+      <p:sp>
+        <p:nvSpPr>
+          <p:cNvPr id="3" name="날짜 개체 틀 2"/>
+          <p:cNvSpPr>
+            <a:spLocks noGrp="1"/>
+          </p:cNvSpPr>
+          <p:nvPr>
+            <p:ph type="dt" idx="1"/>
+          </p:nvPr>
+        </p:nvSpPr>
+        <p:spPr>
+          <a:xfrm>
+            <a:off x="3884613" y="0"/>
+            <a:ext cx="2971800" cy="458788"/>
+          </a:xfrm>
+          <a:prstGeom prst="rect">
+            <a:avLst/>
+          </a:prstGeom>
+        </p:spPr>
+        <p:txBody>
+          <a:bodyPr vert="horz" lIns="91440" tIns="45720" rIns="91440" bIns="45720" rtlCol="0"/>
+          <a:lstStyle>
+            <a:lvl1pPr algn="r">
+              <a:defRPr sz="1200"/>
+            </a:lvl1pPr>
+          </a:lstStyle>
+          <a:p>
+            <a:fld id="{9F5B881C-19BD-4AB2-B194-5D7FB15EFA69}" type="datetimeFigureOut">
+              <a:rPr lang="ko-KR" altLang="en-US" smtClean="0"/>
+              <a:t>2024-10-21</a:t>
+            </a:fld>
+            <a:endParaRPr lang="ko-KR" altLang="en-US"/>
+          </a:p>
+        </p:txBody>
+      </p:sp>
+      <p:sp>
+        <p:nvSpPr>
+          <p:cNvPr id="4" name="슬라이드 이미지 개체 틀 3"/>
+          <p:cNvSpPr>
+            <a:spLocks noGrp="1" noRot="1" noChangeAspect="1"/>
+          </p:cNvSpPr>
+          <p:nvPr>
+            <p:ph type="sldImg" idx="2"/>
+          </p:nvPr>
+        </p:nvSpPr>
+        <p:spPr>
+          <a:xfrm>
+            <a:off x="685800" y="1143000"/>
+            <a:ext cx="5486400" cy="3086100"/>
+          </a:xfrm>
+          <a:prstGeom prst="rect">
+            <a:avLst/>
+          </a:prstGeom>
+          <a:noFill/>
+          <a:ln w="12700">
+            <a:solidFill>
+              <a:prstClr val="black"/>
+            </a:solidFill>
+          </a:ln>
+        </p:spPr>
+        <p:txBody>
+          <a:bodyPr vert="horz" lIns="91440" tIns="45720" rIns="91440" bIns="45720" rtlCol="0" anchor="ctr"/>
+          <a:lstStyle/>
+          <a:p>
+            <a:endParaRPr lang="ko-KR" altLang="en-US"/>
+          </a:p>
+        </p:txBody>
+      </p:sp>
+      <p:sp>
+        <p:nvSpPr>
+          <p:cNvPr id="5" name="슬라이드 노트 개체 틀 4"/>
+          <p:cNvSpPr>
+            <a:spLocks noGrp="1"/>
+          </p:cNvSpPr>
+          <p:nvPr>
+            <p:ph type="body" sz="quarter" idx="3"/>
+          </p:nvPr>
+        </p:nvSpPr>
+        <p:spPr>
+          <a:xfrm>
+            <a:off x="685800" y="4400550"/>
+            <a:ext cx="5486400" cy="3600450"/>
+          </a:xfrm>
+          <a:prstGeom prst="rect">
+            <a:avLst/>
+          </a:prstGeom>
+        </p:spPr>
+        <p:txBody>
+          <a:bodyPr vert="horz" lIns="91440" tIns="45720" rIns="91440" bIns="45720" rtlCol="0"/>
+          <a:lstStyle/>
+          <a:p>
+            <a:pPr lvl="0"/>
+            <a:r>
+              <a:rPr lang="ko-KR" altLang="en-US"/>
+              <a:t>마스터 텍스트 스타일을 편집하려면 클릭</a:t>
+            </a:r>
+          </a:p>
+          <a:p>
+            <a:pPr lvl="1"/>
+            <a:r>
+              <a:rPr lang="ko-KR" altLang="en-US"/>
+              <a:t>두 번째 수준</a:t>
+            </a:r>
+          </a:p>
+          <a:p>
+            <a:pPr lvl="2"/>
+            <a:r>
+              <a:rPr lang="ko-KR" altLang="en-US"/>
+              <a:t>세 번째 수준</a:t>
+            </a:r>
+          </a:p>
+          <a:p>
+            <a:pPr lvl="3"/>
+            <a:r>
+              <a:rPr lang="ko-KR" altLang="en-US"/>
+              <a:t>네 번째 수준</a:t>
+            </a:r>
+          </a:p>
+          <a:p>
+            <a:pPr lvl="4"/>
+            <a:r>
+              <a:rPr lang="ko-KR" altLang="en-US"/>
+              <a:t>다섯 번째 수준</a:t>
+            </a:r>
+          </a:p>
+        </p:txBody>
+      </p:sp>
+      <p:sp>
+        <p:nvSpPr>
+          <p:cNvPr id="6" name="바닥글 개체 틀 5"/>
+          <p:cNvSpPr>
+            <a:spLocks noGrp="1"/>
+          </p:cNvSpPr>
+          <p:nvPr>
+            <p:ph type="ftr" sz="quarter" idx="4"/>
+          </p:nvPr>
+        </p:nvSpPr>
+        <p:spPr>
+          <a:xfrm>
+            <a:off x="0" y="8685213"/>
+            <a:ext cx="2971800" cy="458787"/>
+          </a:xfrm>
+          <a:prstGeom prst="rect">
+            <a:avLst/>
+          </a:prstGeom>
+        </p:spPr>
+        <p:txBody>
+          <a:bodyPr vert="horz" lIns="91440" tIns="45720" rIns="91440" bIns="45720" rtlCol="0" anchor="b"/>
+          <a:lstStyle>
+            <a:lvl1pPr algn="l">
+              <a:defRPr sz="1200"/>
+            </a:lvl1pPr>
+          </a:lstStyle>
+          <a:p>
+            <a:endParaRPr lang="ko-KR" altLang="en-US"/>
+          </a:p>
+        </p:txBody>
+      </p:sp>
+      <p:sp>
+        <p:nvSpPr>
+          <p:cNvPr id="7" name="슬라이드 번호 개체 틀 6"/>
+          <p:cNvSpPr>
+            <a:spLocks noGrp="1"/>
+          </p:cNvSpPr>
+          <p:nvPr>
+            <p:ph type="sldNum" sz="quarter" idx="5"/>
+          </p:nvPr>
+        </p:nvSpPr>
+        <p:spPr>
+          <a:xfrm>
+            <a:off x="3884613" y="8685213"/>
+            <a:ext cx="2971800" cy="458787"/>
+          </a:xfrm>
+          <a:prstGeom prst="rect">
+            <a:avLst/>
+          </a:prstGeom>
+        </p:spPr>
+        <p:txBody>
+          <a:bodyPr vert="horz" lIns="91440" tIns="45720" rIns="91440" bIns="45720" rtlCol="0" anchor="b"/>
+          <a:lstStyle>
+            <a:lvl1pPr algn="r">
+              <a:defRPr sz="1200"/>
+            </a:lvl1pPr>
+          </a:lstStyle>
+          <a:p>
+            <a:fld id="{48E7529B-AA0C-4397-A249-8B0895861211}" type="slidenum">
+              <a:rPr lang="ko-KR" altLang="en-US" smtClean="0"/>
+              <a:t>‹#›</a:t>
+            </a:fld>
+            <a:endParaRPr lang="ko-KR" altLang="en-US"/>
+          </a:p>
+        </p:txBody>
+      </p:sp>
+    </p:spTree>
+    <p:extLst>
+      <p:ext uri="{BB962C8B-B14F-4D97-AF65-F5344CB8AC3E}">
+        <p14:creationId xmlns:p14="http://schemas.microsoft.com/office/powerpoint/2010/main" val="404764984"/>
+      </p:ext>
+    </p:extLst>
+  </p:cSld>
+  <p:clrMap bg1="lt1" tx1="dk1" bg2="lt2" tx2="dk2" accent1="accent1" accent2="accent2" accent3="accent3" accent4="accent4" accent5="accent5" accent6="accent6" hlink="hlink" folHlink="folHlink"/>
+  <p:notesStyle>
+    <a:lvl1pPr marL="0" algn="l" defTabSz="914400" rtl="0" eaLnBrk="1" latinLnBrk="1" hangingPunct="1">
+      <a:defRPr sz="1200" kern="1200">
+        <a:solidFill>
+          <a:schemeClr val="tx1"/>
+        </a:solidFill>
+        <a:latin typeface="+mn-lt"/>
+        <a:ea typeface="+mn-ea"/>
+        <a:cs typeface="+mn-cs"/>
+      </a:defRPr>
+    </a:lvl1pPr>
+    <a:lvl2pPr marL="457200" algn="l" defTabSz="914400" rtl="0" eaLnBrk="1" latinLnBrk="1" hangingPunct="1">
+      <a:defRPr sz="1200" kern="1200">
+        <a:solidFill>
+          <a:schemeClr val="tx1"/>
+        </a:solidFill>
+        <a:latin typeface="+mn-lt"/>
+        <a:ea typeface="+mn-ea"/>
+        <a:cs typeface="+mn-cs"/>
+      </a:defRPr>
+    </a:lvl2pPr>
+    <a:lvl3pPr marL="914400" algn="l" defTabSz="914400" rtl="0" eaLnBrk="1" latinLnBrk="1" hangingPunct="1">
+      <a:defRPr sz="1200" kern="1200">
+        <a:solidFill>
+          <a:schemeClr val="tx1"/>
+        </a:solidFill>
+        <a:latin typeface="+mn-lt"/>
+        <a:ea typeface="+mn-ea"/>
+        <a:cs typeface="+mn-cs"/>
+      </a:defRPr>
+    </a:lvl3pPr>
+    <a:lvl4pPr marL="1371600" algn="l" defTabSz="914400" rtl="0" eaLnBrk="1" latinLnBrk="1" hangingPunct="1">
+      <a:defRPr sz="1200" kern="1200">
+        <a:solidFill>
+          <a:schemeClr val="tx1"/>
+        </a:solidFill>
+        <a:latin typeface="+mn-lt"/>
+        <a:ea typeface="+mn-ea"/>
+        <a:cs typeface="+mn-cs"/>
+      </a:defRPr>
+    </a:lvl4pPr>
+    <a:lvl5pPr marL="1828800" algn="l" defTabSz="914400" rtl="0" eaLnBrk="1" latinLnBrk="1" hangingPunct="1">
+      <a:defRPr sz="1200" kern="1200">
+        <a:solidFill>
+          <a:schemeClr val="tx1"/>
+        </a:solidFill>
+        <a:latin typeface="+mn-lt"/>
+        <a:ea typeface="+mn-ea"/>
+        <a:cs typeface="+mn-cs"/>
+      </a:defRPr>
+    </a:lvl5pPr>
+    <a:lvl6pPr marL="2286000" algn="l" defTabSz="914400" rtl="0" eaLnBrk="1" latinLnBrk="1" hangingPunct="1">
+      <a:defRPr sz="1200" kern="1200">
+        <a:solidFill>
+          <a:schemeClr val="tx1"/>
+        </a:solidFill>
+        <a:latin typeface="+mn-lt"/>
+        <a:ea typeface="+mn-ea"/>
+        <a:cs typeface="+mn-cs"/>
+      </a:defRPr>
+    </a:lvl6pPr>
+    <a:lvl7pPr marL="2743200" algn="l" defTabSz="914400" rtl="0" eaLnBrk="1" latinLnBrk="1" hangingPunct="1">
+      <a:defRPr sz="1200" kern="1200">
+        <a:solidFill>
+          <a:schemeClr val="tx1"/>
+        </a:solidFill>
+        <a:latin typeface="+mn-lt"/>
+        <a:ea typeface="+mn-ea"/>
+        <a:cs typeface="+mn-cs"/>
+      </a:defRPr>
+    </a:lvl7pPr>
+    <a:lvl8pPr marL="3200400" algn="l" defTabSz="914400" rtl="0" eaLnBrk="1" latinLnBrk="1" hangingPunct="1">
+      <a:defRPr sz="1200" kern="1200">
+        <a:solidFill>
+          <a:schemeClr val="tx1"/>
+        </a:solidFill>
+        <a:latin typeface="+mn-lt"/>
+        <a:ea typeface="+mn-ea"/>
+        <a:cs typeface="+mn-cs"/>
+      </a:defRPr>
+    </a:lvl8pPr>
+    <a:lvl9pPr marL="3657600" algn="l" defTabSz="914400" rtl="0" eaLnBrk="1" latinLnBrk="1" hangingPunct="1">
+      <a:defRPr sz="1200" kern="1200">
+        <a:solidFill>
+          <a:schemeClr val="tx1"/>
+        </a:solidFill>
+        <a:latin typeface="+mn-lt"/>
+        <a:ea typeface="+mn-ea"/>
+        <a:cs typeface="+mn-cs"/>
+      </a:defRPr>
+    </a:lvl9pPr>
+  </p:notesStyle>
+</p:notesMaster>
+</file>
+
+<file path=ppt/notesSlides/notesSlide1.xml><?xml version="1.0" encoding="utf-8"?>
+<p:notes xmlns:a="http://schemas.openxmlformats.org/drawingml/2006/main" xmlns:r="http://schemas.openxmlformats.org/officeDocument/2006/relationships" xmlns:p="http://schemas.openxmlformats.org/presentationml/2006/main">
+  <p:cSld>
+    <p:spTree>
+      <p:nvGrpSpPr>
+        <p:cNvPr id="1" name=""/>
+        <p:cNvGrpSpPr/>
+        <p:nvPr/>
+      </p:nvGrpSpPr>
+      <p:grpSpPr>
+        <a:xfrm>
+          <a:off x="0" y="0"/>
+          <a:ext cx="0" cy="0"/>
+          <a:chOff x="0" y="0"/>
+          <a:chExt cx="0" cy="0"/>
+        </a:xfrm>
+      </p:grpSpPr>
+      <p:sp>
+        <p:nvSpPr>
+          <p:cNvPr id="2" name="슬라이드 이미지 개체 틀 1"/>
+          <p:cNvSpPr>
+            <a:spLocks noGrp="1" noRot="1" noChangeAspect="1"/>
+          </p:cNvSpPr>
+          <p:nvPr>
+            <p:ph type="sldImg"/>
+          </p:nvPr>
+        </p:nvSpPr>
+        <p:spPr/>
+      </p:sp>
+      <p:sp>
+        <p:nvSpPr>
+          <p:cNvPr id="3" name="슬라이드 노트 개체 틀 2"/>
+          <p:cNvSpPr>
+            <a:spLocks noGrp="1"/>
+          </p:cNvSpPr>
+          <p:nvPr>
+            <p:ph type="body" idx="1"/>
+          </p:nvPr>
+        </p:nvSpPr>
+        <p:spPr/>
+        <p:txBody>
+          <a:bodyPr/>
+          <a:lstStyle/>
+          <a:p>
+            <a:endParaRPr lang="ko-KR" altLang="en-US" dirty="0"/>
+          </a:p>
+        </p:txBody>
+      </p:sp>
+      <p:sp>
+        <p:nvSpPr>
+          <p:cNvPr id="4" name="슬라이드 번호 개체 틀 3"/>
+          <p:cNvSpPr>
+            <a:spLocks noGrp="1"/>
+          </p:cNvSpPr>
+          <p:nvPr>
+            <p:ph type="sldNum" sz="quarter" idx="5"/>
+          </p:nvPr>
+        </p:nvSpPr>
+        <p:spPr/>
+        <p:txBody>
+          <a:bodyPr/>
+          <a:lstStyle/>
+          <a:p>
+            <a:fld id="{48E7529B-AA0C-4397-A249-8B0895861211}" type="slidenum">
+              <a:rPr lang="ko-KR" altLang="en-US" smtClean="0"/>
+              <a:t>6</a:t>
+            </a:fld>
+            <a:endParaRPr lang="ko-KR" altLang="en-US"/>
+          </a:p>
+        </p:txBody>
+      </p:sp>
+    </p:spTree>
+    <p:extLst>
+      <p:ext uri="{BB962C8B-B14F-4D97-AF65-F5344CB8AC3E}">
+        <p14:creationId xmlns:p14="http://schemas.microsoft.com/office/powerpoint/2010/main" val="2449704230"/>
+      </p:ext>
+    </p:extLst>
+  </p:cSld>
+  <p:clrMapOvr>
+    <a:masterClrMapping/>
+  </p:clrMapOvr>
+</p:notes>
+</file>
+
+<file path=ppt/notesSlides/notesSlide2.xml><?xml version="1.0" encoding="utf-8"?>
+<p:notes xmlns:a="http://schemas.openxmlformats.org/drawingml/2006/main" xmlns:r="http://schemas.openxmlformats.org/officeDocument/2006/relationships" xmlns:p="http://schemas.openxmlformats.org/presentationml/2006/main">
+  <p:cSld>
+    <p:spTree>
+      <p:nvGrpSpPr>
+        <p:cNvPr id="1" name=""/>
+        <p:cNvGrpSpPr/>
+        <p:nvPr/>
+      </p:nvGrpSpPr>
+      <p:grpSpPr>
+        <a:xfrm>
+          <a:off x="0" y="0"/>
+          <a:ext cx="0" cy="0"/>
+          <a:chOff x="0" y="0"/>
+          <a:chExt cx="0" cy="0"/>
+        </a:xfrm>
+      </p:grpSpPr>
+      <p:sp>
+        <p:nvSpPr>
+          <p:cNvPr id="2" name="슬라이드 이미지 개체 틀 1"/>
+          <p:cNvSpPr>
+            <a:spLocks noGrp="1" noRot="1" noChangeAspect="1"/>
+          </p:cNvSpPr>
+          <p:nvPr>
+            <p:ph type="sldImg"/>
+          </p:nvPr>
+        </p:nvSpPr>
+        <p:spPr/>
+      </p:sp>
+      <p:sp>
+        <p:nvSpPr>
+          <p:cNvPr id="3" name="슬라이드 노트 개체 틀 2"/>
+          <p:cNvSpPr>
+            <a:spLocks noGrp="1"/>
+          </p:cNvSpPr>
+          <p:nvPr>
+            <p:ph type="body" idx="1"/>
+          </p:nvPr>
+        </p:nvSpPr>
+        <p:spPr/>
+        <p:txBody>
+          <a:bodyPr/>
+          <a:lstStyle/>
+          <a:p>
+            <a:endParaRPr lang="ko-KR" altLang="en-US" dirty="0"/>
+          </a:p>
+        </p:txBody>
+      </p:sp>
+      <p:sp>
+        <p:nvSpPr>
+          <p:cNvPr id="4" name="슬라이드 번호 개체 틀 3"/>
+          <p:cNvSpPr>
+            <a:spLocks noGrp="1"/>
+          </p:cNvSpPr>
+          <p:nvPr>
+            <p:ph type="sldNum" sz="quarter" idx="5"/>
+          </p:nvPr>
+        </p:nvSpPr>
+        <p:spPr/>
+        <p:txBody>
+          <a:bodyPr/>
+          <a:lstStyle/>
+          <a:p>
+            <a:fld id="{48E7529B-AA0C-4397-A249-8B0895861211}" type="slidenum">
+              <a:rPr lang="ko-KR" altLang="en-US" smtClean="0"/>
+              <a:t>7</a:t>
+            </a:fld>
+            <a:endParaRPr lang="ko-KR" altLang="en-US"/>
+          </a:p>
+        </p:txBody>
+      </p:sp>
+    </p:spTree>
+    <p:extLst>
+      <p:ext uri="{BB962C8B-B14F-4D97-AF65-F5344CB8AC3E}">
+        <p14:creationId xmlns:p14="http://schemas.microsoft.com/office/powerpoint/2010/main" val="3709857979"/>
+      </p:ext>
+    </p:extLst>
+  </p:cSld>
+  <p:clrMapOvr>
+    <a:masterClrMapping/>
+  </p:clrMapOvr>
+</p:notes>
 </file>
 
 <file path=ppt/slideLayouts/slideLayout1.xml><?xml version="1.0" encoding="utf-8"?>
@@ -259,7 +789,7 @@
           <a:p>
             <a:fld id="{265FF1B1-091E-4E21-A614-5382A26106FE}" type="datetimeFigureOut">
               <a:rPr lang="ko-KR" altLang="en-US" smtClean="0"/>
-              <a:t>2024-10-20</a:t>
+              <a:t>2024-10-21</a:t>
             </a:fld>
             <a:endParaRPr lang="ko-KR" altLang="en-US"/>
           </a:p>
@@ -457,7 +987,7 @@
           <a:p>
             <a:fld id="{265FF1B1-091E-4E21-A614-5382A26106FE}" type="datetimeFigureOut">
               <a:rPr lang="ko-KR" altLang="en-US" smtClean="0"/>
-              <a:t>2024-10-20</a:t>
+              <a:t>2024-10-21</a:t>
             </a:fld>
             <a:endParaRPr lang="ko-KR" altLang="en-US"/>
           </a:p>
@@ -665,7 +1195,7 @@
           <a:p>
             <a:fld id="{265FF1B1-091E-4E21-A614-5382A26106FE}" type="datetimeFigureOut">
               <a:rPr lang="ko-KR" altLang="en-US" smtClean="0"/>
-              <a:t>2024-10-20</a:t>
+              <a:t>2024-10-21</a:t>
             </a:fld>
             <a:endParaRPr lang="ko-KR" altLang="en-US"/>
           </a:p>
@@ -863,7 +1393,7 @@
           <a:p>
             <a:fld id="{265FF1B1-091E-4E21-A614-5382A26106FE}" type="datetimeFigureOut">
               <a:rPr lang="ko-KR" altLang="en-US" smtClean="0"/>
-              <a:t>2024-10-20</a:t>
+              <a:t>2024-10-21</a:t>
             </a:fld>
             <a:endParaRPr lang="ko-KR" altLang="en-US"/>
           </a:p>
@@ -1138,7 +1668,7 @@
           <a:p>
             <a:fld id="{265FF1B1-091E-4E21-A614-5382A26106FE}" type="datetimeFigureOut">
               <a:rPr lang="ko-KR" altLang="en-US" smtClean="0"/>
-              <a:t>2024-10-20</a:t>
+              <a:t>2024-10-21</a:t>
             </a:fld>
             <a:endParaRPr lang="ko-KR" altLang="en-US"/>
           </a:p>
@@ -1403,7 +1933,7 @@
           <a:p>
             <a:fld id="{265FF1B1-091E-4E21-A614-5382A26106FE}" type="datetimeFigureOut">
               <a:rPr lang="ko-KR" altLang="en-US" smtClean="0"/>
-              <a:t>2024-10-20</a:t>
+              <a:t>2024-10-21</a:t>
             </a:fld>
             <a:endParaRPr lang="ko-KR" altLang="en-US"/>
           </a:p>
@@ -1815,7 +2345,7 @@
           <a:p>
             <a:fld id="{265FF1B1-091E-4E21-A614-5382A26106FE}" type="datetimeFigureOut">
               <a:rPr lang="ko-KR" altLang="en-US" smtClean="0"/>
-              <a:t>2024-10-20</a:t>
+              <a:t>2024-10-21</a:t>
             </a:fld>
             <a:endParaRPr lang="ko-KR" altLang="en-US"/>
           </a:p>
@@ -1956,7 +2486,7 @@
           <a:p>
             <a:fld id="{265FF1B1-091E-4E21-A614-5382A26106FE}" type="datetimeFigureOut">
               <a:rPr lang="ko-KR" altLang="en-US" smtClean="0"/>
-              <a:t>2024-10-20</a:t>
+              <a:t>2024-10-21</a:t>
             </a:fld>
             <a:endParaRPr lang="ko-KR" altLang="en-US"/>
           </a:p>
@@ -2069,7 +2599,7 @@
           <a:p>
             <a:fld id="{265FF1B1-091E-4E21-A614-5382A26106FE}" type="datetimeFigureOut">
               <a:rPr lang="ko-KR" altLang="en-US" smtClean="0"/>
-              <a:t>2024-10-20</a:t>
+              <a:t>2024-10-21</a:t>
             </a:fld>
             <a:endParaRPr lang="ko-KR" altLang="en-US"/>
           </a:p>
@@ -2380,7 +2910,7 @@
           <a:p>
             <a:fld id="{265FF1B1-091E-4E21-A614-5382A26106FE}" type="datetimeFigureOut">
               <a:rPr lang="ko-KR" altLang="en-US" smtClean="0"/>
-              <a:t>2024-10-20</a:t>
+              <a:t>2024-10-21</a:t>
             </a:fld>
             <a:endParaRPr lang="ko-KR" altLang="en-US"/>
           </a:p>
@@ -2668,7 +3198,7 @@
           <a:p>
             <a:fld id="{265FF1B1-091E-4E21-A614-5382A26106FE}" type="datetimeFigureOut">
               <a:rPr lang="ko-KR" altLang="en-US" smtClean="0"/>
-              <a:t>2024-10-20</a:t>
+              <a:t>2024-10-21</a:t>
             </a:fld>
             <a:endParaRPr lang="ko-KR" altLang="en-US"/>
           </a:p>
@@ -2909,7 +3439,7 @@
           <a:p>
             <a:fld id="{265FF1B1-091E-4E21-A614-5382A26106FE}" type="datetimeFigureOut">
               <a:rPr lang="ko-KR" altLang="en-US" smtClean="0"/>
-              <a:t>2024-10-20</a:t>
+              <a:t>2024-10-21</a:t>
             </a:fld>
             <a:endParaRPr lang="ko-KR" altLang="en-US"/>
           </a:p>
@@ -3400,6 +3930,549 @@
 </p:sld>
 </file>
 
+<file path=ppt/slides/slide10.xml><?xml version="1.0" encoding="utf-8"?>
+<p:sld xmlns:a="http://schemas.openxmlformats.org/drawingml/2006/main" xmlns:r="http://schemas.openxmlformats.org/officeDocument/2006/relationships" xmlns:p="http://schemas.openxmlformats.org/presentationml/2006/main">
+  <p:cSld>
+    <p:spTree>
+      <p:nvGrpSpPr>
+        <p:cNvPr id="1" name="">
+          <a:extLst>
+            <a:ext uri="{FF2B5EF4-FFF2-40B4-BE49-F238E27FC236}">
+              <a16:creationId xmlns:a16="http://schemas.microsoft.com/office/drawing/2014/main" id="{4547565A-A0E6-B048-47DC-82AA9EB81B51}"/>
+            </a:ext>
+          </a:extLst>
+        </p:cNvPr>
+        <p:cNvGrpSpPr/>
+        <p:nvPr/>
+      </p:nvGrpSpPr>
+      <p:grpSpPr>
+        <a:xfrm>
+          <a:off x="0" y="0"/>
+          <a:ext cx="0" cy="0"/>
+          <a:chOff x="0" y="0"/>
+          <a:chExt cx="0" cy="0"/>
+        </a:xfrm>
+      </p:grpSpPr>
+      <p:sp>
+        <p:nvSpPr>
+          <p:cNvPr id="2" name="제목 1">
+            <a:extLst>
+              <a:ext uri="{FF2B5EF4-FFF2-40B4-BE49-F238E27FC236}">
+                <a16:creationId xmlns:a16="http://schemas.microsoft.com/office/drawing/2014/main" id="{BBB437E4-DA45-505F-5609-22A67AC9588E}"/>
+              </a:ext>
+            </a:extLst>
+          </p:cNvPr>
+          <p:cNvSpPr>
+            <a:spLocks noGrp="1"/>
+          </p:cNvSpPr>
+          <p:nvPr>
+            <p:ph type="title"/>
+          </p:nvPr>
+        </p:nvSpPr>
+        <p:spPr>
+          <a:xfrm>
+            <a:off x="838200" y="365126"/>
+            <a:ext cx="10515600" cy="757504"/>
+          </a:xfrm>
+        </p:spPr>
+        <p:txBody>
+          <a:bodyPr>
+            <a:noAutofit/>
+          </a:bodyPr>
+          <a:lstStyle/>
+          <a:p>
+            <a:r>
+              <a:rPr lang="ko-KR" altLang="en-US" sz="4000" dirty="0"/>
+              <a:t>전투</a:t>
+            </a:r>
+            <a:r>
+              <a:rPr lang="en-US" altLang="ko-KR" sz="4000" dirty="0"/>
+              <a:t> </a:t>
+            </a:r>
+            <a:r>
+              <a:rPr lang="ko-KR" altLang="en-US" sz="4000" dirty="0"/>
+              <a:t>플로우</a:t>
+            </a:r>
+          </a:p>
+        </p:txBody>
+      </p:sp>
+      <p:pic>
+        <p:nvPicPr>
+          <p:cNvPr id="4" name="그림 3" descr="도표, 스케치, 평면도, 기술 도면이(가) 표시된 사진">
+            <a:extLst>
+              <a:ext uri="{FF2B5EF4-FFF2-40B4-BE49-F238E27FC236}">
+                <a16:creationId xmlns:a16="http://schemas.microsoft.com/office/drawing/2014/main" id="{EF9A1C65-77B5-B20C-DB7B-BE60C73CE74B}"/>
+              </a:ext>
+            </a:extLst>
+          </p:cNvPr>
+          <p:cNvPicPr>
+            <a:picLocks noChangeAspect="1"/>
+          </p:cNvPicPr>
+          <p:nvPr/>
+        </p:nvPicPr>
+        <p:blipFill>
+          <a:blip r:embed="rId2">
+            <a:extLst>
+              <a:ext uri="{28A0092B-C50C-407E-A947-70E740481C1C}">
+                <a14:useLocalDpi xmlns:a14="http://schemas.microsoft.com/office/drawing/2010/main" val="0"/>
+              </a:ext>
+            </a:extLst>
+          </a:blip>
+          <a:stretch>
+            <a:fillRect/>
+          </a:stretch>
+        </p:blipFill>
+        <p:spPr>
+          <a:xfrm>
+            <a:off x="3730385" y="1460358"/>
+            <a:ext cx="5010150" cy="4533900"/>
+          </a:xfrm>
+          <a:prstGeom prst="rect">
+            <a:avLst/>
+          </a:prstGeom>
+        </p:spPr>
+      </p:pic>
+    </p:spTree>
+    <p:extLst>
+      <p:ext uri="{BB962C8B-B14F-4D97-AF65-F5344CB8AC3E}">
+        <p14:creationId xmlns:p14="http://schemas.microsoft.com/office/powerpoint/2010/main" val="1850787823"/>
+      </p:ext>
+    </p:extLst>
+  </p:cSld>
+  <p:clrMapOvr>
+    <a:masterClrMapping/>
+  </p:clrMapOvr>
+</p:sld>
+</file>
+
+<file path=ppt/slides/slide11.xml><?xml version="1.0" encoding="utf-8"?>
+<p:sld xmlns:a="http://schemas.openxmlformats.org/drawingml/2006/main" xmlns:r="http://schemas.openxmlformats.org/officeDocument/2006/relationships" xmlns:p="http://schemas.openxmlformats.org/presentationml/2006/main">
+  <p:cSld>
+    <p:spTree>
+      <p:nvGrpSpPr>
+        <p:cNvPr id="1" name=""/>
+        <p:cNvGrpSpPr/>
+        <p:nvPr/>
+      </p:nvGrpSpPr>
+      <p:grpSpPr>
+        <a:xfrm>
+          <a:off x="0" y="0"/>
+          <a:ext cx="0" cy="0"/>
+          <a:chOff x="0" y="0"/>
+          <a:chExt cx="0" cy="0"/>
+        </a:xfrm>
+      </p:grpSpPr>
+      <p:sp>
+        <p:nvSpPr>
+          <p:cNvPr id="2" name="제목 1">
+            <a:extLst>
+              <a:ext uri="{FF2B5EF4-FFF2-40B4-BE49-F238E27FC236}">
+                <a16:creationId xmlns:a16="http://schemas.microsoft.com/office/drawing/2014/main" id="{70BDACF1-DE61-34C4-0630-5889C97C4BC8}"/>
+              </a:ext>
+            </a:extLst>
+          </p:cNvPr>
+          <p:cNvSpPr>
+            <a:spLocks noGrp="1"/>
+          </p:cNvSpPr>
+          <p:nvPr>
+            <p:ph type="title"/>
+          </p:nvPr>
+        </p:nvSpPr>
+        <p:spPr>
+          <a:xfrm>
+            <a:off x="839788" y="365126"/>
+            <a:ext cx="10515600" cy="1001948"/>
+          </a:xfrm>
+        </p:spPr>
+        <p:txBody>
+          <a:bodyPr>
+            <a:normAutofit/>
+          </a:bodyPr>
+          <a:lstStyle/>
+          <a:p>
+            <a:r>
+              <a:rPr lang="ko-KR" altLang="en-US" sz="3500" dirty="0"/>
+              <a:t>조작 변경 안건</a:t>
+            </a:r>
+            <a:r>
+              <a:rPr lang="en-US" altLang="ko-KR" sz="3500" dirty="0"/>
+              <a:t>(</a:t>
+            </a:r>
+            <a:r>
+              <a:rPr lang="ko-KR" altLang="en-US" sz="3500" dirty="0"/>
+              <a:t>회의 필요</a:t>
+            </a:r>
+            <a:r>
+              <a:rPr lang="en-US" altLang="ko-KR" sz="3500" dirty="0"/>
+              <a:t>)</a:t>
+            </a:r>
+            <a:endParaRPr lang="ko-KR" altLang="en-US" sz="3500" dirty="0"/>
+          </a:p>
+        </p:txBody>
+      </p:sp>
+      <p:sp>
+        <p:nvSpPr>
+          <p:cNvPr id="3" name="텍스트 개체 틀 2">
+            <a:extLst>
+              <a:ext uri="{FF2B5EF4-FFF2-40B4-BE49-F238E27FC236}">
+                <a16:creationId xmlns:a16="http://schemas.microsoft.com/office/drawing/2014/main" id="{AEFAA536-7F96-85DD-040B-80C619919092}"/>
+              </a:ext>
+            </a:extLst>
+          </p:cNvPr>
+          <p:cNvSpPr>
+            <a:spLocks noGrp="1"/>
+          </p:cNvSpPr>
+          <p:nvPr>
+            <p:ph type="body" idx="1"/>
+          </p:nvPr>
+        </p:nvSpPr>
+        <p:spPr>
+          <a:xfrm>
+            <a:off x="839788" y="1681163"/>
+            <a:ext cx="5157787" cy="419241"/>
+          </a:xfrm>
+        </p:spPr>
+        <p:txBody>
+          <a:bodyPr>
+            <a:normAutofit lnSpcReduction="10000"/>
+          </a:bodyPr>
+          <a:lstStyle/>
+          <a:p>
+            <a:r>
+              <a:rPr lang="ko-KR" altLang="en-US" dirty="0"/>
+              <a:t>마우스 조작</a:t>
+            </a:r>
+            <a:r>
+              <a:rPr lang="en-US" altLang="ko-KR" dirty="0"/>
+              <a:t>(</a:t>
+            </a:r>
+            <a:r>
+              <a:rPr lang="ko-KR" altLang="en-US" dirty="0"/>
+              <a:t>기존</a:t>
+            </a:r>
+            <a:r>
+              <a:rPr lang="en-US" altLang="ko-KR" dirty="0"/>
+              <a:t>)</a:t>
+            </a:r>
+            <a:endParaRPr lang="ko-KR" altLang="en-US" dirty="0"/>
+          </a:p>
+        </p:txBody>
+      </p:sp>
+      <p:sp>
+        <p:nvSpPr>
+          <p:cNvPr id="4" name="내용 개체 틀 3">
+            <a:extLst>
+              <a:ext uri="{FF2B5EF4-FFF2-40B4-BE49-F238E27FC236}">
+                <a16:creationId xmlns:a16="http://schemas.microsoft.com/office/drawing/2014/main" id="{E039136A-ABCD-93D2-9752-E7812C4DF3F8}"/>
+              </a:ext>
+            </a:extLst>
+          </p:cNvPr>
+          <p:cNvSpPr>
+            <a:spLocks noGrp="1"/>
+          </p:cNvSpPr>
+          <p:nvPr>
+            <p:ph sz="half" idx="2"/>
+          </p:nvPr>
+        </p:nvSpPr>
+        <p:spPr>
+          <a:xfrm>
+            <a:off x="839788" y="2236206"/>
+            <a:ext cx="5157787" cy="3953457"/>
+          </a:xfrm>
+        </p:spPr>
+        <p:txBody>
+          <a:bodyPr>
+            <a:normAutofit/>
+          </a:bodyPr>
+          <a:lstStyle/>
+          <a:p>
+            <a:r>
+              <a:rPr lang="ko-KR" altLang="en-US" sz="2000" dirty="0"/>
+              <a:t>조작방법</a:t>
+            </a:r>
+            <a:r>
+              <a:rPr lang="en-US" altLang="ko-KR" sz="2000" dirty="0"/>
+              <a:t>:</a:t>
+            </a:r>
+          </a:p>
+          <a:p>
+            <a:pPr marL="0" indent="0">
+              <a:buNone/>
+            </a:pPr>
+            <a:r>
+              <a:rPr lang="ko-KR" altLang="en-US" sz="2000" dirty="0"/>
+              <a:t>마우스 우 클릭으로 적 클릭 시 타겟팅</a:t>
+            </a:r>
+            <a:endParaRPr lang="en-US" altLang="ko-KR" sz="2000" dirty="0"/>
+          </a:p>
+          <a:p>
+            <a:pPr marL="0" indent="0">
+              <a:buNone/>
+            </a:pPr>
+            <a:r>
+              <a:rPr lang="ko-KR" altLang="en-US" sz="2000" dirty="0"/>
+              <a:t>바닥에 우 클릭 시 해당 지점으로 이동</a:t>
+            </a:r>
+            <a:endParaRPr lang="en-US" altLang="ko-KR" sz="2000" dirty="0"/>
+          </a:p>
+          <a:p>
+            <a:r>
+              <a:rPr lang="ko-KR" altLang="en-US" sz="2000" dirty="0"/>
+              <a:t>장점</a:t>
+            </a:r>
+            <a:r>
+              <a:rPr lang="en-US" altLang="ko-KR" sz="2000" dirty="0"/>
+              <a:t>:</a:t>
+            </a:r>
+          </a:p>
+          <a:p>
+            <a:pPr marL="0" indent="0">
+              <a:buNone/>
+            </a:pPr>
+            <a:r>
+              <a:rPr lang="ko-KR" altLang="en-US" sz="2000" dirty="0"/>
+              <a:t>키보드 키에 기능 배정 시 여유로움</a:t>
+            </a:r>
+            <a:endParaRPr lang="en-US" altLang="ko-KR" sz="2000" dirty="0"/>
+          </a:p>
+          <a:p>
+            <a:pPr marL="0" indent="0">
+              <a:buNone/>
+            </a:pPr>
+            <a:r>
+              <a:rPr lang="ko-KR" altLang="en-US" sz="2000" dirty="0"/>
+              <a:t>왼손이 편함</a:t>
+            </a:r>
+            <a:endParaRPr lang="en-US" altLang="ko-KR" sz="2000" dirty="0"/>
+          </a:p>
+          <a:p>
+            <a:r>
+              <a:rPr lang="ko-KR" altLang="en-US" sz="2000" dirty="0"/>
+              <a:t>단점</a:t>
+            </a:r>
+            <a:r>
+              <a:rPr lang="en-US" altLang="ko-KR" sz="2000" dirty="0"/>
+              <a:t>:</a:t>
+            </a:r>
+          </a:p>
+          <a:p>
+            <a:pPr marL="0" indent="0">
+              <a:buNone/>
+            </a:pPr>
+            <a:r>
+              <a:rPr lang="ko-KR" altLang="en-US" sz="2000" dirty="0"/>
+              <a:t>마우스에 많은 기능을 넣어서 조작이 불편함</a:t>
+            </a:r>
+            <a:endParaRPr lang="en-US" altLang="ko-KR" sz="2000" dirty="0"/>
+          </a:p>
+        </p:txBody>
+      </p:sp>
+      <p:sp>
+        <p:nvSpPr>
+          <p:cNvPr id="5" name="텍스트 개체 틀 4">
+            <a:extLst>
+              <a:ext uri="{FF2B5EF4-FFF2-40B4-BE49-F238E27FC236}">
+                <a16:creationId xmlns:a16="http://schemas.microsoft.com/office/drawing/2014/main" id="{2BBC84CE-1C29-D1F0-EF9B-04A17C9E989E}"/>
+              </a:ext>
+            </a:extLst>
+          </p:cNvPr>
+          <p:cNvSpPr>
+            <a:spLocks noGrp="1"/>
+          </p:cNvSpPr>
+          <p:nvPr>
+            <p:ph type="body" sz="quarter" idx="3"/>
+          </p:nvPr>
+        </p:nvSpPr>
+        <p:spPr>
+          <a:xfrm>
+            <a:off x="6172200" y="1681163"/>
+            <a:ext cx="5183188" cy="419241"/>
+          </a:xfrm>
+        </p:spPr>
+        <p:txBody>
+          <a:bodyPr>
+            <a:normAutofit lnSpcReduction="10000"/>
+          </a:bodyPr>
+          <a:lstStyle/>
+          <a:p>
+            <a:r>
+              <a:rPr lang="ko-KR" altLang="en-US" dirty="0"/>
+              <a:t>키보드 조작</a:t>
+            </a:r>
+          </a:p>
+        </p:txBody>
+      </p:sp>
+      <p:sp>
+        <p:nvSpPr>
+          <p:cNvPr id="6" name="내용 개체 틀 5">
+            <a:extLst>
+              <a:ext uri="{FF2B5EF4-FFF2-40B4-BE49-F238E27FC236}">
+                <a16:creationId xmlns:a16="http://schemas.microsoft.com/office/drawing/2014/main" id="{8E7C2A94-8388-AC9D-2DC4-EF747C96292A}"/>
+              </a:ext>
+            </a:extLst>
+          </p:cNvPr>
+          <p:cNvSpPr>
+            <a:spLocks noGrp="1"/>
+          </p:cNvSpPr>
+          <p:nvPr>
+            <p:ph sz="quarter" idx="4"/>
+          </p:nvPr>
+        </p:nvSpPr>
+        <p:spPr>
+          <a:xfrm>
+            <a:off x="6172200" y="2236206"/>
+            <a:ext cx="5183188" cy="3953457"/>
+          </a:xfrm>
+        </p:spPr>
+        <p:txBody>
+          <a:bodyPr>
+            <a:normAutofit/>
+          </a:bodyPr>
+          <a:lstStyle/>
+          <a:p>
+            <a:r>
+              <a:rPr lang="ko-KR" altLang="en-US" sz="2000" dirty="0"/>
+              <a:t>조작방법</a:t>
+            </a:r>
+            <a:r>
+              <a:rPr lang="en-US" altLang="ko-KR" sz="2000" dirty="0"/>
+              <a:t>:</a:t>
+            </a:r>
+          </a:p>
+          <a:p>
+            <a:pPr marL="0" indent="0">
+              <a:buNone/>
+            </a:pPr>
+            <a:r>
+              <a:rPr lang="en-US" altLang="ko-KR" sz="2000" dirty="0"/>
+              <a:t>1.WASD </a:t>
+            </a:r>
+            <a:r>
+              <a:rPr lang="ko-KR" altLang="en-US" sz="2000" dirty="0"/>
+              <a:t>이동</a:t>
+            </a:r>
+            <a:endParaRPr lang="en-US" altLang="ko-KR" sz="2000" dirty="0"/>
+          </a:p>
+          <a:p>
+            <a:pPr marL="0" indent="0">
+              <a:buNone/>
+            </a:pPr>
+            <a:r>
+              <a:rPr lang="en-US" altLang="ko-KR" sz="2000" dirty="0"/>
+              <a:t>2.</a:t>
+            </a:r>
+            <a:r>
+              <a:rPr lang="ko-KR" altLang="en-US" sz="2000" dirty="0"/>
+              <a:t>방향 키 이동</a:t>
+            </a:r>
+            <a:endParaRPr lang="en-US" altLang="ko-KR" sz="2000" dirty="0"/>
+          </a:p>
+          <a:p>
+            <a:r>
+              <a:rPr lang="ko-KR" altLang="en-US" sz="2000" dirty="0"/>
+              <a:t>장점</a:t>
+            </a:r>
+            <a:r>
+              <a:rPr lang="en-US" altLang="ko-KR" sz="2000" dirty="0"/>
+              <a:t>:</a:t>
+            </a:r>
+          </a:p>
+          <a:p>
+            <a:pPr marL="0" indent="0">
+              <a:buNone/>
+            </a:pPr>
+            <a:r>
+              <a:rPr lang="en-US" altLang="ko-KR" sz="2000" dirty="0"/>
+              <a:t>1.wasd-</a:t>
+            </a:r>
+            <a:r>
+              <a:rPr lang="ko-KR" altLang="en-US" sz="2000" dirty="0"/>
+              <a:t>익숙함</a:t>
+            </a:r>
+            <a:endParaRPr lang="en-US" altLang="ko-KR" sz="2000" dirty="0"/>
+          </a:p>
+          <a:p>
+            <a:pPr marL="0" indent="0">
+              <a:buNone/>
+            </a:pPr>
+            <a:r>
+              <a:rPr lang="en-US" altLang="ko-KR" sz="2000" dirty="0"/>
+              <a:t>2.</a:t>
+            </a:r>
+            <a:r>
+              <a:rPr lang="ko-KR" altLang="en-US" sz="2000" dirty="0"/>
+              <a:t>방향 키</a:t>
+            </a:r>
+            <a:r>
+              <a:rPr lang="en-US" altLang="ko-KR" sz="2000" dirty="0"/>
+              <a:t>-</a:t>
+            </a:r>
+            <a:r>
+              <a:rPr lang="ko-KR" altLang="en-US" sz="2000" dirty="0"/>
+              <a:t>스킬 키 분배가 쉬움</a:t>
+            </a:r>
+            <a:endParaRPr lang="en-US" altLang="ko-KR" sz="2000" dirty="0"/>
+          </a:p>
+          <a:p>
+            <a:r>
+              <a:rPr lang="ko-KR" altLang="en-US" sz="2000" dirty="0"/>
+              <a:t>단점</a:t>
+            </a:r>
+            <a:r>
+              <a:rPr lang="en-US" altLang="ko-KR" sz="2000" dirty="0"/>
+              <a:t>:</a:t>
+            </a:r>
+          </a:p>
+          <a:p>
+            <a:pPr marL="0" indent="0">
+              <a:buNone/>
+            </a:pPr>
+            <a:r>
+              <a:rPr lang="en-US" altLang="ko-KR" sz="2000" dirty="0"/>
+              <a:t>1.wasd-</a:t>
+            </a:r>
+            <a:r>
+              <a:rPr lang="ko-KR" altLang="en-US" sz="2000" dirty="0"/>
+              <a:t>스킬 키 분배가 불편함</a:t>
+            </a:r>
+            <a:endParaRPr lang="en-US" altLang="ko-KR" sz="2000" dirty="0"/>
+          </a:p>
+          <a:p>
+            <a:pPr marL="0" indent="0">
+              <a:buNone/>
+            </a:pPr>
+            <a:r>
+              <a:rPr lang="en-US" altLang="ko-KR" sz="2000" dirty="0"/>
+              <a:t>2.</a:t>
+            </a:r>
+            <a:r>
+              <a:rPr lang="ko-KR" altLang="en-US" sz="2000" dirty="0"/>
+              <a:t>방향키</a:t>
+            </a:r>
+            <a:r>
+              <a:rPr lang="en-US" altLang="ko-KR" sz="2000" dirty="0"/>
+              <a:t>-</a:t>
+            </a:r>
+            <a:r>
+              <a:rPr lang="ko-KR" altLang="en-US" sz="2000" dirty="0"/>
+              <a:t>오른손으로 조작해서 마우스를 쓰기 힘듦</a:t>
+            </a:r>
+          </a:p>
+        </p:txBody>
+      </p:sp>
+    </p:spTree>
+    <p:extLst>
+      <p:ext uri="{BB962C8B-B14F-4D97-AF65-F5344CB8AC3E}">
+        <p14:creationId xmlns:p14="http://schemas.microsoft.com/office/powerpoint/2010/main" val="602352662"/>
+      </p:ext>
+    </p:extLst>
+  </p:cSld>
+  <p:clrMapOvr>
+    <a:masterClrMapping/>
+  </p:clrMapOvr>
+</p:sld>
+</file>
+
 <file path=ppt/slides/slide2.xml><?xml version="1.0" encoding="utf-8"?>
 <p:sld xmlns:a="http://schemas.openxmlformats.org/drawingml/2006/main" xmlns:r="http://schemas.openxmlformats.org/officeDocument/2006/relationships" xmlns:p="http://schemas.openxmlformats.org/presentationml/2006/main">
   <p:cSld>
@@ -3796,6 +4869,960 @@
 </file>
 
 <file path=ppt/slides/slide3.xml><?xml version="1.0" encoding="utf-8"?>
+<p:sld xmlns:a="http://schemas.openxmlformats.org/drawingml/2006/main" xmlns:r="http://schemas.openxmlformats.org/officeDocument/2006/relationships" xmlns:p="http://schemas.openxmlformats.org/presentationml/2006/main">
+  <p:cSld>
+    <p:spTree>
+      <p:nvGrpSpPr>
+        <p:cNvPr id="1" name="">
+          <a:extLst>
+            <a:ext uri="{FF2B5EF4-FFF2-40B4-BE49-F238E27FC236}">
+              <a16:creationId xmlns:a16="http://schemas.microsoft.com/office/drawing/2014/main" id="{FDC20AF1-EA8B-509A-9EE0-CED527133285}"/>
+            </a:ext>
+          </a:extLst>
+        </p:cNvPr>
+        <p:cNvGrpSpPr/>
+        <p:nvPr/>
+      </p:nvGrpSpPr>
+      <p:grpSpPr>
+        <a:xfrm>
+          <a:off x="0" y="0"/>
+          <a:ext cx="0" cy="0"/>
+          <a:chOff x="0" y="0"/>
+          <a:chExt cx="0" cy="0"/>
+        </a:xfrm>
+      </p:grpSpPr>
+      <p:sp>
+        <p:nvSpPr>
+          <p:cNvPr id="2" name="제목 1">
+            <a:extLst>
+              <a:ext uri="{FF2B5EF4-FFF2-40B4-BE49-F238E27FC236}">
+                <a16:creationId xmlns:a16="http://schemas.microsoft.com/office/drawing/2014/main" id="{EBBF33C7-C8FF-E0C7-84FF-ECE4A5E95683}"/>
+              </a:ext>
+            </a:extLst>
+          </p:cNvPr>
+          <p:cNvSpPr>
+            <a:spLocks noGrp="1"/>
+          </p:cNvSpPr>
+          <p:nvPr>
+            <p:ph type="title"/>
+          </p:nvPr>
+        </p:nvSpPr>
+        <p:spPr>
+          <a:xfrm>
+            <a:off x="838200" y="365125"/>
+            <a:ext cx="10515600" cy="884253"/>
+          </a:xfrm>
+        </p:spPr>
+        <p:txBody>
+          <a:bodyPr/>
+          <a:lstStyle/>
+          <a:p>
+            <a:r>
+              <a:rPr lang="ko-KR" altLang="en-US" dirty="0"/>
+              <a:t>시작화면</a:t>
+            </a:r>
+          </a:p>
+        </p:txBody>
+      </p:sp>
+      <p:sp>
+        <p:nvSpPr>
+          <p:cNvPr id="5" name="직사각형 4">
+            <a:extLst>
+              <a:ext uri="{FF2B5EF4-FFF2-40B4-BE49-F238E27FC236}">
+                <a16:creationId xmlns:a16="http://schemas.microsoft.com/office/drawing/2014/main" id="{E1DD3F7E-2A1D-B738-4DF8-7C49781957C3}"/>
+              </a:ext>
+            </a:extLst>
+          </p:cNvPr>
+          <p:cNvSpPr/>
+          <p:nvPr/>
+        </p:nvSpPr>
+        <p:spPr>
+          <a:xfrm>
+            <a:off x="1167896" y="1330859"/>
+            <a:ext cx="9985973" cy="5341545"/>
+          </a:xfrm>
+          <a:prstGeom prst="rect">
+            <a:avLst/>
+          </a:prstGeom>
+          <a:solidFill>
+            <a:schemeClr val="bg2"/>
+          </a:solidFill>
+        </p:spPr>
+        <p:style>
+          <a:lnRef idx="2">
+            <a:schemeClr val="accent1">
+              <a:shade val="15000"/>
+            </a:schemeClr>
+          </a:lnRef>
+          <a:fillRef idx="1">
+            <a:schemeClr val="accent1"/>
+          </a:fillRef>
+          <a:effectRef idx="0">
+            <a:schemeClr val="accent1"/>
+          </a:effectRef>
+          <a:fontRef idx="minor">
+            <a:schemeClr val="lt1"/>
+          </a:fontRef>
+        </p:style>
+        <p:txBody>
+          <a:bodyPr rtlCol="0" anchor="ctr"/>
+          <a:lstStyle/>
+          <a:p>
+            <a:pPr algn="ctr"/>
+            <a:r>
+              <a:rPr lang="ko-KR" altLang="en-US" dirty="0">
+                <a:solidFill>
+                  <a:schemeClr val="tx1"/>
+                </a:solidFill>
+              </a:rPr>
+              <a:t>시작화면 배경</a:t>
+            </a:r>
+          </a:p>
+        </p:txBody>
+      </p:sp>
+      <p:sp>
+        <p:nvSpPr>
+          <p:cNvPr id="6" name="직사각형 5">
+            <a:extLst>
+              <a:ext uri="{FF2B5EF4-FFF2-40B4-BE49-F238E27FC236}">
+                <a16:creationId xmlns:a16="http://schemas.microsoft.com/office/drawing/2014/main" id="{0F716DE3-EB23-20A0-7A0B-6A106AD5F32A}"/>
+              </a:ext>
+            </a:extLst>
+          </p:cNvPr>
+          <p:cNvSpPr/>
+          <p:nvPr/>
+        </p:nvSpPr>
+        <p:spPr>
+          <a:xfrm>
+            <a:off x="4176194" y="2065732"/>
+            <a:ext cx="3839612" cy="1284050"/>
+          </a:xfrm>
+          <a:prstGeom prst="rect">
+            <a:avLst/>
+          </a:prstGeom>
+          <a:solidFill>
+            <a:schemeClr val="bg2">
+              <a:lumMod val="75000"/>
+            </a:schemeClr>
+          </a:solidFill>
+        </p:spPr>
+        <p:style>
+          <a:lnRef idx="2">
+            <a:schemeClr val="accent1">
+              <a:shade val="15000"/>
+            </a:schemeClr>
+          </a:lnRef>
+          <a:fillRef idx="1">
+            <a:schemeClr val="accent1"/>
+          </a:fillRef>
+          <a:effectRef idx="0">
+            <a:schemeClr val="accent1"/>
+          </a:effectRef>
+          <a:fontRef idx="minor">
+            <a:schemeClr val="lt1"/>
+          </a:fontRef>
+        </p:style>
+        <p:txBody>
+          <a:bodyPr rtlCol="0" anchor="ctr"/>
+          <a:lstStyle/>
+          <a:p>
+            <a:pPr algn="ctr"/>
+            <a:r>
+              <a:rPr lang="ko-KR" altLang="en-US" dirty="0">
+                <a:solidFill>
+                  <a:schemeClr val="tx1"/>
+                </a:solidFill>
+              </a:rPr>
+              <a:t>제목</a:t>
+            </a:r>
+          </a:p>
+        </p:txBody>
+      </p:sp>
+      <p:sp>
+        <p:nvSpPr>
+          <p:cNvPr id="8" name="직사각형 7">
+            <a:extLst>
+              <a:ext uri="{FF2B5EF4-FFF2-40B4-BE49-F238E27FC236}">
+                <a16:creationId xmlns:a16="http://schemas.microsoft.com/office/drawing/2014/main" id="{8B76010D-E44A-87F8-E443-2A1A640041CB}"/>
+              </a:ext>
+            </a:extLst>
+          </p:cNvPr>
+          <p:cNvSpPr/>
+          <p:nvPr/>
+        </p:nvSpPr>
+        <p:spPr>
+          <a:xfrm>
+            <a:off x="5386199" y="4786648"/>
+            <a:ext cx="1419602" cy="448890"/>
+          </a:xfrm>
+          <a:prstGeom prst="rect">
+            <a:avLst/>
+          </a:prstGeom>
+          <a:solidFill>
+            <a:schemeClr val="bg2">
+              <a:lumMod val="75000"/>
+            </a:schemeClr>
+          </a:solidFill>
+        </p:spPr>
+        <p:style>
+          <a:lnRef idx="2">
+            <a:schemeClr val="accent1">
+              <a:shade val="15000"/>
+            </a:schemeClr>
+          </a:lnRef>
+          <a:fillRef idx="1">
+            <a:schemeClr val="accent1"/>
+          </a:fillRef>
+          <a:effectRef idx="0">
+            <a:schemeClr val="accent1"/>
+          </a:effectRef>
+          <a:fontRef idx="minor">
+            <a:schemeClr val="lt1"/>
+          </a:fontRef>
+        </p:style>
+        <p:txBody>
+          <a:bodyPr rtlCol="0" anchor="ctr"/>
+          <a:lstStyle/>
+          <a:p>
+            <a:pPr algn="ctr"/>
+            <a:r>
+              <a:rPr lang="en-US" altLang="ko-KR" dirty="0">
+                <a:solidFill>
+                  <a:schemeClr val="tx1"/>
+                </a:solidFill>
+              </a:rPr>
+              <a:t>Start</a:t>
+            </a:r>
+            <a:endParaRPr lang="ko-KR" altLang="en-US" dirty="0">
+              <a:solidFill>
+                <a:schemeClr val="tx1"/>
+              </a:solidFill>
+            </a:endParaRPr>
+          </a:p>
+        </p:txBody>
+      </p:sp>
+      <p:sp>
+        <p:nvSpPr>
+          <p:cNvPr id="10" name="직사각형 9">
+            <a:extLst>
+              <a:ext uri="{FF2B5EF4-FFF2-40B4-BE49-F238E27FC236}">
+                <a16:creationId xmlns:a16="http://schemas.microsoft.com/office/drawing/2014/main" id="{627F1439-49E3-81A7-776C-F49439564E08}"/>
+              </a:ext>
+            </a:extLst>
+          </p:cNvPr>
+          <p:cNvSpPr/>
+          <p:nvPr/>
+        </p:nvSpPr>
+        <p:spPr>
+          <a:xfrm>
+            <a:off x="5386199" y="5633147"/>
+            <a:ext cx="1419602" cy="448890"/>
+          </a:xfrm>
+          <a:prstGeom prst="rect">
+            <a:avLst/>
+          </a:prstGeom>
+          <a:solidFill>
+            <a:schemeClr val="bg2">
+              <a:lumMod val="75000"/>
+            </a:schemeClr>
+          </a:solidFill>
+        </p:spPr>
+        <p:style>
+          <a:lnRef idx="2">
+            <a:schemeClr val="accent1">
+              <a:shade val="15000"/>
+            </a:schemeClr>
+          </a:lnRef>
+          <a:fillRef idx="1">
+            <a:schemeClr val="accent1"/>
+          </a:fillRef>
+          <a:effectRef idx="0">
+            <a:schemeClr val="accent1"/>
+          </a:effectRef>
+          <a:fontRef idx="minor">
+            <a:schemeClr val="lt1"/>
+          </a:fontRef>
+        </p:style>
+        <p:txBody>
+          <a:bodyPr rtlCol="0" anchor="ctr"/>
+          <a:lstStyle/>
+          <a:p>
+            <a:pPr algn="ctr"/>
+            <a:r>
+              <a:rPr lang="en-US" altLang="ko-KR" dirty="0">
+                <a:solidFill>
+                  <a:schemeClr val="tx1"/>
+                </a:solidFill>
+              </a:rPr>
+              <a:t>Quit</a:t>
+            </a:r>
+            <a:endParaRPr lang="ko-KR" altLang="en-US" dirty="0">
+              <a:solidFill>
+                <a:schemeClr val="tx1"/>
+              </a:solidFill>
+            </a:endParaRPr>
+          </a:p>
+        </p:txBody>
+      </p:sp>
+    </p:spTree>
+    <p:extLst>
+      <p:ext uri="{BB962C8B-B14F-4D97-AF65-F5344CB8AC3E}">
+        <p14:creationId xmlns:p14="http://schemas.microsoft.com/office/powerpoint/2010/main" val="1013873587"/>
+      </p:ext>
+    </p:extLst>
+  </p:cSld>
+  <p:clrMapOvr>
+    <a:masterClrMapping/>
+  </p:clrMapOvr>
+</p:sld>
+</file>
+
+<file path=ppt/slides/slide4.xml><?xml version="1.0" encoding="utf-8"?>
+<p:sld xmlns:a="http://schemas.openxmlformats.org/drawingml/2006/main" xmlns:r="http://schemas.openxmlformats.org/officeDocument/2006/relationships" xmlns:p="http://schemas.openxmlformats.org/presentationml/2006/main">
+  <p:cSld>
+    <p:spTree>
+      <p:nvGrpSpPr>
+        <p:cNvPr id="1" name="">
+          <a:extLst>
+            <a:ext uri="{FF2B5EF4-FFF2-40B4-BE49-F238E27FC236}">
+              <a16:creationId xmlns:a16="http://schemas.microsoft.com/office/drawing/2014/main" id="{00D4B693-FCFC-BC82-D58B-B4D1C144024C}"/>
+            </a:ext>
+          </a:extLst>
+        </p:cNvPr>
+        <p:cNvGrpSpPr/>
+        <p:nvPr/>
+      </p:nvGrpSpPr>
+      <p:grpSpPr>
+        <a:xfrm>
+          <a:off x="0" y="0"/>
+          <a:ext cx="0" cy="0"/>
+          <a:chOff x="0" y="0"/>
+          <a:chExt cx="0" cy="0"/>
+        </a:xfrm>
+      </p:grpSpPr>
+      <p:sp>
+        <p:nvSpPr>
+          <p:cNvPr id="2" name="제목 1">
+            <a:extLst>
+              <a:ext uri="{FF2B5EF4-FFF2-40B4-BE49-F238E27FC236}">
+                <a16:creationId xmlns:a16="http://schemas.microsoft.com/office/drawing/2014/main" id="{F0248908-072B-735B-D275-7CCB650FD204}"/>
+              </a:ext>
+            </a:extLst>
+          </p:cNvPr>
+          <p:cNvSpPr>
+            <a:spLocks noGrp="1"/>
+          </p:cNvSpPr>
+          <p:nvPr>
+            <p:ph type="title"/>
+          </p:nvPr>
+        </p:nvSpPr>
+        <p:spPr>
+          <a:xfrm>
+            <a:off x="838200" y="365125"/>
+            <a:ext cx="10515600" cy="884253"/>
+          </a:xfrm>
+        </p:spPr>
+        <p:txBody>
+          <a:bodyPr/>
+          <a:lstStyle/>
+          <a:p>
+            <a:r>
+              <a:rPr lang="ko-KR" altLang="en-US" dirty="0"/>
+              <a:t>직업 선택 화면</a:t>
+            </a:r>
+          </a:p>
+        </p:txBody>
+      </p:sp>
+      <p:sp>
+        <p:nvSpPr>
+          <p:cNvPr id="7" name="직사각형 6">
+            <a:extLst>
+              <a:ext uri="{FF2B5EF4-FFF2-40B4-BE49-F238E27FC236}">
+                <a16:creationId xmlns:a16="http://schemas.microsoft.com/office/drawing/2014/main" id="{74FBA382-DB20-DAD1-A7E7-C4F23C86B5AC}"/>
+              </a:ext>
+            </a:extLst>
+          </p:cNvPr>
+          <p:cNvSpPr/>
+          <p:nvPr/>
+        </p:nvSpPr>
+        <p:spPr>
+          <a:xfrm>
+            <a:off x="4750109" y="2133600"/>
+            <a:ext cx="2691781" cy="2590800"/>
+          </a:xfrm>
+          <a:prstGeom prst="rect">
+            <a:avLst/>
+          </a:prstGeom>
+          <a:solidFill>
+            <a:schemeClr val="bg2"/>
+          </a:solidFill>
+        </p:spPr>
+        <p:style>
+          <a:lnRef idx="2">
+            <a:schemeClr val="accent1">
+              <a:shade val="15000"/>
+            </a:schemeClr>
+          </a:lnRef>
+          <a:fillRef idx="1">
+            <a:schemeClr val="accent1"/>
+          </a:fillRef>
+          <a:effectRef idx="0">
+            <a:schemeClr val="accent1"/>
+          </a:effectRef>
+          <a:fontRef idx="minor">
+            <a:schemeClr val="lt1"/>
+          </a:fontRef>
+        </p:style>
+        <p:txBody>
+          <a:bodyPr rtlCol="0" anchor="ctr"/>
+          <a:lstStyle/>
+          <a:p>
+            <a:pPr algn="ctr"/>
+            <a:r>
+              <a:rPr lang="ko-KR" altLang="en-US" dirty="0">
+                <a:solidFill>
+                  <a:schemeClr val="tx1"/>
+                </a:solidFill>
+              </a:rPr>
+              <a:t>직업 아이콘</a:t>
+            </a:r>
+            <a:endParaRPr lang="en-US" altLang="ko-KR" dirty="0">
+              <a:solidFill>
+                <a:schemeClr val="tx1"/>
+              </a:solidFill>
+            </a:endParaRPr>
+          </a:p>
+          <a:p>
+            <a:pPr algn="ctr"/>
+            <a:r>
+              <a:rPr lang="en-US" altLang="ko-KR" dirty="0">
+                <a:solidFill>
+                  <a:schemeClr val="tx1"/>
+                </a:solidFill>
+              </a:rPr>
+              <a:t>(</a:t>
+            </a:r>
+            <a:r>
+              <a:rPr lang="ko-KR" altLang="en-US" dirty="0">
+                <a:solidFill>
+                  <a:schemeClr val="tx1"/>
+                </a:solidFill>
+              </a:rPr>
+              <a:t>버튼</a:t>
+            </a:r>
+            <a:r>
+              <a:rPr lang="en-US" altLang="ko-KR" dirty="0">
+                <a:solidFill>
+                  <a:schemeClr val="tx1"/>
+                </a:solidFill>
+              </a:rPr>
+              <a:t>)</a:t>
+            </a:r>
+            <a:endParaRPr lang="ko-KR" altLang="en-US" dirty="0">
+              <a:solidFill>
+                <a:schemeClr val="tx1"/>
+              </a:solidFill>
+            </a:endParaRPr>
+          </a:p>
+        </p:txBody>
+      </p:sp>
+      <p:sp>
+        <p:nvSpPr>
+          <p:cNvPr id="8" name="직사각형 7">
+            <a:extLst>
+              <a:ext uri="{FF2B5EF4-FFF2-40B4-BE49-F238E27FC236}">
+                <a16:creationId xmlns:a16="http://schemas.microsoft.com/office/drawing/2014/main" id="{C509C567-92AD-38B1-FB1B-07D6475663E0}"/>
+              </a:ext>
+            </a:extLst>
+          </p:cNvPr>
+          <p:cNvSpPr/>
+          <p:nvPr/>
+        </p:nvSpPr>
+        <p:spPr>
+          <a:xfrm>
+            <a:off x="1244909" y="2133600"/>
+            <a:ext cx="2691781" cy="2590800"/>
+          </a:xfrm>
+          <a:prstGeom prst="rect">
+            <a:avLst/>
+          </a:prstGeom>
+          <a:solidFill>
+            <a:schemeClr val="bg2"/>
+          </a:solidFill>
+        </p:spPr>
+        <p:style>
+          <a:lnRef idx="2">
+            <a:schemeClr val="accent1">
+              <a:shade val="15000"/>
+            </a:schemeClr>
+          </a:lnRef>
+          <a:fillRef idx="1">
+            <a:schemeClr val="accent1"/>
+          </a:fillRef>
+          <a:effectRef idx="0">
+            <a:schemeClr val="accent1"/>
+          </a:effectRef>
+          <a:fontRef idx="minor">
+            <a:schemeClr val="lt1"/>
+          </a:fontRef>
+        </p:style>
+        <p:txBody>
+          <a:bodyPr rtlCol="0" anchor="ctr"/>
+          <a:lstStyle/>
+          <a:p>
+            <a:pPr algn="ctr"/>
+            <a:r>
+              <a:rPr lang="ko-KR" altLang="en-US" dirty="0">
+                <a:solidFill>
+                  <a:schemeClr val="tx1"/>
+                </a:solidFill>
+              </a:rPr>
+              <a:t>직업 아이콘</a:t>
+            </a:r>
+            <a:endParaRPr lang="en-US" altLang="ko-KR" dirty="0">
+              <a:solidFill>
+                <a:schemeClr val="tx1"/>
+              </a:solidFill>
+            </a:endParaRPr>
+          </a:p>
+          <a:p>
+            <a:pPr algn="ctr"/>
+            <a:r>
+              <a:rPr lang="en-US" altLang="ko-KR" dirty="0">
+                <a:solidFill>
+                  <a:schemeClr val="tx1"/>
+                </a:solidFill>
+              </a:rPr>
+              <a:t>(</a:t>
+            </a:r>
+            <a:r>
+              <a:rPr lang="ko-KR" altLang="en-US" dirty="0">
+                <a:solidFill>
+                  <a:schemeClr val="tx1"/>
+                </a:solidFill>
+              </a:rPr>
+              <a:t>버튼</a:t>
+            </a:r>
+            <a:r>
+              <a:rPr lang="en-US" altLang="ko-KR" dirty="0">
+                <a:solidFill>
+                  <a:schemeClr val="tx1"/>
+                </a:solidFill>
+              </a:rPr>
+              <a:t>)</a:t>
+            </a:r>
+          </a:p>
+        </p:txBody>
+      </p:sp>
+      <p:sp>
+        <p:nvSpPr>
+          <p:cNvPr id="9" name="직사각형 8">
+            <a:extLst>
+              <a:ext uri="{FF2B5EF4-FFF2-40B4-BE49-F238E27FC236}">
+                <a16:creationId xmlns:a16="http://schemas.microsoft.com/office/drawing/2014/main" id="{3172558A-DEE4-4F2D-60C3-3EA1FEF7C94C}"/>
+              </a:ext>
+            </a:extLst>
+          </p:cNvPr>
+          <p:cNvSpPr/>
+          <p:nvPr/>
+        </p:nvSpPr>
+        <p:spPr>
+          <a:xfrm>
+            <a:off x="8255309" y="2133600"/>
+            <a:ext cx="2691781" cy="2590800"/>
+          </a:xfrm>
+          <a:prstGeom prst="rect">
+            <a:avLst/>
+          </a:prstGeom>
+          <a:solidFill>
+            <a:schemeClr val="bg2"/>
+          </a:solidFill>
+        </p:spPr>
+        <p:style>
+          <a:lnRef idx="2">
+            <a:schemeClr val="accent1">
+              <a:shade val="15000"/>
+            </a:schemeClr>
+          </a:lnRef>
+          <a:fillRef idx="1">
+            <a:schemeClr val="accent1"/>
+          </a:fillRef>
+          <a:effectRef idx="0">
+            <a:schemeClr val="accent1"/>
+          </a:effectRef>
+          <a:fontRef idx="minor">
+            <a:schemeClr val="lt1"/>
+          </a:fontRef>
+        </p:style>
+        <p:txBody>
+          <a:bodyPr rtlCol="0" anchor="ctr"/>
+          <a:lstStyle/>
+          <a:p>
+            <a:pPr algn="ctr"/>
+            <a:r>
+              <a:rPr lang="ko-KR" altLang="en-US" dirty="0">
+                <a:solidFill>
+                  <a:schemeClr val="tx1"/>
+                </a:solidFill>
+              </a:rPr>
+              <a:t>직업 아이콘</a:t>
+            </a:r>
+            <a:endParaRPr lang="en-US" altLang="ko-KR" dirty="0">
+              <a:solidFill>
+                <a:schemeClr val="tx1"/>
+              </a:solidFill>
+            </a:endParaRPr>
+          </a:p>
+          <a:p>
+            <a:pPr algn="ctr"/>
+            <a:r>
+              <a:rPr lang="en-US" altLang="ko-KR" dirty="0">
+                <a:solidFill>
+                  <a:schemeClr val="tx1"/>
+                </a:solidFill>
+              </a:rPr>
+              <a:t>(</a:t>
+            </a:r>
+            <a:r>
+              <a:rPr lang="ko-KR" altLang="en-US" dirty="0">
+                <a:solidFill>
+                  <a:schemeClr val="tx1"/>
+                </a:solidFill>
+              </a:rPr>
+              <a:t>버튼</a:t>
+            </a:r>
+            <a:r>
+              <a:rPr lang="en-US" altLang="ko-KR" dirty="0">
+                <a:solidFill>
+                  <a:schemeClr val="tx1"/>
+                </a:solidFill>
+              </a:rPr>
+              <a:t>)</a:t>
+            </a:r>
+            <a:endParaRPr lang="ko-KR" altLang="en-US" dirty="0">
+              <a:solidFill>
+                <a:schemeClr val="tx1"/>
+              </a:solidFill>
+            </a:endParaRPr>
+          </a:p>
+        </p:txBody>
+      </p:sp>
+      <p:sp>
+        <p:nvSpPr>
+          <p:cNvPr id="10" name="직사각형 9">
+            <a:extLst>
+              <a:ext uri="{FF2B5EF4-FFF2-40B4-BE49-F238E27FC236}">
+                <a16:creationId xmlns:a16="http://schemas.microsoft.com/office/drawing/2014/main" id="{28848B27-CB60-D3DE-03D1-7534907FCB2F}"/>
+              </a:ext>
+            </a:extLst>
+          </p:cNvPr>
+          <p:cNvSpPr/>
+          <p:nvPr/>
+        </p:nvSpPr>
+        <p:spPr>
+          <a:xfrm>
+            <a:off x="5441915" y="5819115"/>
+            <a:ext cx="1308168" cy="466253"/>
+          </a:xfrm>
+          <a:prstGeom prst="rect">
+            <a:avLst/>
+          </a:prstGeom>
+          <a:solidFill>
+            <a:schemeClr val="bg2"/>
+          </a:solidFill>
+        </p:spPr>
+        <p:style>
+          <a:lnRef idx="2">
+            <a:schemeClr val="accent1">
+              <a:shade val="15000"/>
+            </a:schemeClr>
+          </a:lnRef>
+          <a:fillRef idx="1">
+            <a:schemeClr val="accent1"/>
+          </a:fillRef>
+          <a:effectRef idx="0">
+            <a:schemeClr val="accent1"/>
+          </a:effectRef>
+          <a:fontRef idx="minor">
+            <a:schemeClr val="lt1"/>
+          </a:fontRef>
+        </p:style>
+        <p:txBody>
+          <a:bodyPr rtlCol="0" anchor="ctr"/>
+          <a:lstStyle/>
+          <a:p>
+            <a:pPr algn="ctr"/>
+            <a:r>
+              <a:rPr lang="ko-KR" altLang="en-US" dirty="0">
+                <a:solidFill>
+                  <a:schemeClr val="tx1"/>
+                </a:solidFill>
+              </a:rPr>
+              <a:t>선택</a:t>
+            </a:r>
+            <a:endParaRPr lang="en-US" altLang="ko-KR" dirty="0">
+              <a:solidFill>
+                <a:schemeClr val="tx1"/>
+              </a:solidFill>
+            </a:endParaRPr>
+          </a:p>
+        </p:txBody>
+      </p:sp>
+    </p:spTree>
+    <p:extLst>
+      <p:ext uri="{BB962C8B-B14F-4D97-AF65-F5344CB8AC3E}">
+        <p14:creationId xmlns:p14="http://schemas.microsoft.com/office/powerpoint/2010/main" val="936520181"/>
+      </p:ext>
+    </p:extLst>
+  </p:cSld>
+  <p:clrMapOvr>
+    <a:masterClrMapping/>
+  </p:clrMapOvr>
+</p:sld>
+</file>
+
+<file path=ppt/slides/slide5.xml><?xml version="1.0" encoding="utf-8"?>
+<p:sld xmlns:a="http://schemas.openxmlformats.org/drawingml/2006/main" xmlns:r="http://schemas.openxmlformats.org/officeDocument/2006/relationships" xmlns:p="http://schemas.openxmlformats.org/presentationml/2006/main">
+  <p:cSld>
+    <p:spTree>
+      <p:nvGrpSpPr>
+        <p:cNvPr id="1" name="">
+          <a:extLst>
+            <a:ext uri="{FF2B5EF4-FFF2-40B4-BE49-F238E27FC236}">
+              <a16:creationId xmlns:a16="http://schemas.microsoft.com/office/drawing/2014/main" id="{B2D3AF6E-29AD-EC84-543F-69D7D88512F6}"/>
+            </a:ext>
+          </a:extLst>
+        </p:cNvPr>
+        <p:cNvGrpSpPr/>
+        <p:nvPr/>
+      </p:nvGrpSpPr>
+      <p:grpSpPr>
+        <a:xfrm>
+          <a:off x="0" y="0"/>
+          <a:ext cx="0" cy="0"/>
+          <a:chOff x="0" y="0"/>
+          <a:chExt cx="0" cy="0"/>
+        </a:xfrm>
+      </p:grpSpPr>
+      <p:sp>
+        <p:nvSpPr>
+          <p:cNvPr id="2" name="제목 1">
+            <a:extLst>
+              <a:ext uri="{FF2B5EF4-FFF2-40B4-BE49-F238E27FC236}">
+                <a16:creationId xmlns:a16="http://schemas.microsoft.com/office/drawing/2014/main" id="{9F7D8392-8B96-C197-A3D9-67B7176873B7}"/>
+              </a:ext>
+            </a:extLst>
+          </p:cNvPr>
+          <p:cNvSpPr>
+            <a:spLocks noGrp="1"/>
+          </p:cNvSpPr>
+          <p:nvPr>
+            <p:ph type="title"/>
+          </p:nvPr>
+        </p:nvSpPr>
+        <p:spPr>
+          <a:xfrm>
+            <a:off x="838200" y="365125"/>
+            <a:ext cx="10515600" cy="884253"/>
+          </a:xfrm>
+        </p:spPr>
+        <p:txBody>
+          <a:bodyPr/>
+          <a:lstStyle/>
+          <a:p>
+            <a:r>
+              <a:rPr lang="ko-KR" altLang="en-US" dirty="0"/>
+              <a:t>메인 화면</a:t>
+            </a:r>
+            <a:r>
+              <a:rPr lang="en-US" altLang="ko-KR" dirty="0"/>
+              <a:t>(</a:t>
+            </a:r>
+            <a:r>
+              <a:rPr lang="ko-KR" altLang="en-US" dirty="0"/>
+              <a:t>회의 필요함</a:t>
+            </a:r>
+            <a:r>
+              <a:rPr lang="en-US" altLang="ko-KR" dirty="0"/>
+              <a:t>)</a:t>
+            </a:r>
+            <a:endParaRPr lang="ko-KR" altLang="en-US" dirty="0"/>
+          </a:p>
+        </p:txBody>
+      </p:sp>
+      <p:sp>
+        <p:nvSpPr>
+          <p:cNvPr id="3" name="내용 개체 틀 2">
+            <a:extLst>
+              <a:ext uri="{FF2B5EF4-FFF2-40B4-BE49-F238E27FC236}">
+                <a16:creationId xmlns:a16="http://schemas.microsoft.com/office/drawing/2014/main" id="{63AF782B-E2F9-65A6-8CA4-14449658E0BD}"/>
+              </a:ext>
+            </a:extLst>
+          </p:cNvPr>
+          <p:cNvSpPr>
+            <a:spLocks noGrp="1"/>
+          </p:cNvSpPr>
+          <p:nvPr>
+            <p:ph idx="1"/>
+          </p:nvPr>
+        </p:nvSpPr>
+        <p:spPr>
+          <a:xfrm>
+            <a:off x="838200" y="1330859"/>
+            <a:ext cx="10515600" cy="4846104"/>
+          </a:xfrm>
+        </p:spPr>
+        <p:txBody>
+          <a:bodyPr/>
+          <a:lstStyle/>
+          <a:p>
+            <a:pPr marL="0" indent="0">
+              <a:buNone/>
+            </a:pPr>
+            <a:r>
+              <a:rPr lang="ko-KR" altLang="en-US" dirty="0"/>
+              <a:t>길드</a:t>
+            </a:r>
+            <a:r>
+              <a:rPr lang="en-US" altLang="ko-KR" dirty="0"/>
+              <a:t>,</a:t>
+            </a:r>
+            <a:r>
+              <a:rPr lang="ko-KR" altLang="en-US" dirty="0"/>
+              <a:t>혹은 주점 느낌의 배경을 </a:t>
+            </a:r>
+            <a:r>
+              <a:rPr lang="ko-KR" altLang="en-US" dirty="0" err="1"/>
+              <a:t>생각중</a:t>
+            </a:r>
+            <a:endParaRPr lang="en-US" altLang="ko-KR" dirty="0"/>
+          </a:p>
+        </p:txBody>
+      </p:sp>
+    </p:spTree>
+    <p:extLst>
+      <p:ext uri="{BB962C8B-B14F-4D97-AF65-F5344CB8AC3E}">
+        <p14:creationId xmlns:p14="http://schemas.microsoft.com/office/powerpoint/2010/main" val="2147536263"/>
+      </p:ext>
+    </p:extLst>
+  </p:cSld>
+  <p:clrMapOvr>
+    <a:masterClrMapping/>
+  </p:clrMapOvr>
+</p:sld>
+</file>
+
+<file path=ppt/slides/slide6.xml><?xml version="1.0" encoding="utf-8"?>
+<p:sld xmlns:a="http://schemas.openxmlformats.org/drawingml/2006/main" xmlns:r="http://schemas.openxmlformats.org/officeDocument/2006/relationships" xmlns:p="http://schemas.openxmlformats.org/presentationml/2006/main">
+  <p:cSld>
+    <p:spTree>
+      <p:nvGrpSpPr>
+        <p:cNvPr id="1" name="">
+          <a:extLst>
+            <a:ext uri="{FF2B5EF4-FFF2-40B4-BE49-F238E27FC236}">
+              <a16:creationId xmlns:a16="http://schemas.microsoft.com/office/drawing/2014/main" id="{B253A091-E26C-EE3C-9FA4-59A7A0D51F60}"/>
+            </a:ext>
+          </a:extLst>
+        </p:cNvPr>
+        <p:cNvGrpSpPr/>
+        <p:nvPr/>
+      </p:nvGrpSpPr>
+      <p:grpSpPr>
+        <a:xfrm>
+          <a:off x="0" y="0"/>
+          <a:ext cx="0" cy="0"/>
+          <a:chOff x="0" y="0"/>
+          <a:chExt cx="0" cy="0"/>
+        </a:xfrm>
+      </p:grpSpPr>
+      <p:sp>
+        <p:nvSpPr>
+          <p:cNvPr id="2" name="제목 1">
+            <a:extLst>
+              <a:ext uri="{FF2B5EF4-FFF2-40B4-BE49-F238E27FC236}">
+                <a16:creationId xmlns:a16="http://schemas.microsoft.com/office/drawing/2014/main" id="{57B5B661-AAF0-9759-2127-5F8559390C75}"/>
+              </a:ext>
+            </a:extLst>
+          </p:cNvPr>
+          <p:cNvSpPr>
+            <a:spLocks noGrp="1"/>
+          </p:cNvSpPr>
+          <p:nvPr>
+            <p:ph type="title"/>
+          </p:nvPr>
+        </p:nvSpPr>
+        <p:spPr>
+          <a:xfrm>
+            <a:off x="838200" y="365125"/>
+            <a:ext cx="10515600" cy="884253"/>
+          </a:xfrm>
+        </p:spPr>
+        <p:txBody>
+          <a:bodyPr/>
+          <a:lstStyle/>
+          <a:p>
+            <a:r>
+              <a:rPr lang="ko-KR" altLang="en-US" dirty="0"/>
+              <a:t>챕터 선택 화면</a:t>
+            </a:r>
+            <a:r>
+              <a:rPr lang="en-US" altLang="ko-KR" dirty="0"/>
+              <a:t>(</a:t>
+            </a:r>
+            <a:r>
+              <a:rPr lang="ko-KR" altLang="en-US" dirty="0"/>
+              <a:t>회의 필요</a:t>
+            </a:r>
+            <a:r>
+              <a:rPr lang="en-US" altLang="ko-KR" dirty="0"/>
+              <a:t>)</a:t>
+            </a:r>
+            <a:endParaRPr lang="ko-KR" altLang="en-US" dirty="0"/>
+          </a:p>
+        </p:txBody>
+      </p:sp>
+      <p:sp>
+        <p:nvSpPr>
+          <p:cNvPr id="5" name="내용 개체 틀 4">
+            <a:extLst>
+              <a:ext uri="{FF2B5EF4-FFF2-40B4-BE49-F238E27FC236}">
+                <a16:creationId xmlns:a16="http://schemas.microsoft.com/office/drawing/2014/main" id="{7DBF95EA-D109-9C2C-0DF0-7656E626FEFE}"/>
+              </a:ext>
+            </a:extLst>
+          </p:cNvPr>
+          <p:cNvSpPr>
+            <a:spLocks noGrp="1"/>
+          </p:cNvSpPr>
+          <p:nvPr>
+            <p:ph idx="1"/>
+          </p:nvPr>
+        </p:nvSpPr>
+        <p:spPr/>
+        <p:txBody>
+          <a:bodyPr/>
+          <a:lstStyle/>
+          <a:p>
+            <a:pPr marL="0" indent="0">
+              <a:buNone/>
+            </a:pPr>
+            <a:endParaRPr lang="ko-KR" altLang="en-US" dirty="0"/>
+          </a:p>
+        </p:txBody>
+      </p:sp>
+    </p:spTree>
+    <p:extLst>
+      <p:ext uri="{BB962C8B-B14F-4D97-AF65-F5344CB8AC3E}">
+        <p14:creationId xmlns:p14="http://schemas.microsoft.com/office/powerpoint/2010/main" val="3490240626"/>
+      </p:ext>
+    </p:extLst>
+  </p:cSld>
+  <p:clrMapOvr>
+    <a:masterClrMapping/>
+  </p:clrMapOvr>
+</p:sld>
+</file>
+
+<file path=ppt/slides/slide7.xml><?xml version="1.0" encoding="utf-8"?>
 <p:sld xmlns:a="http://schemas.openxmlformats.org/drawingml/2006/main" xmlns:r="http://schemas.openxmlformats.org/officeDocument/2006/relationships" xmlns:p="http://schemas.openxmlformats.org/presentationml/2006/main">
   <p:cSld>
     <p:bg>
@@ -3835,7 +5862,7 @@
           <p:nvPr/>
         </p:nvPicPr>
         <p:blipFill>
-          <a:blip r:embed="rId2">
+          <a:blip r:embed="rId3">
             <a:extLst>
               <a:ext uri="{28A0092B-C50C-407E-A947-70E740481C1C}">
                 <a14:useLocalDpi xmlns:a14="http://schemas.microsoft.com/office/drawing/2010/main" val="0"/>
@@ -3869,7 +5896,7 @@
 </p:sld>
 </file>
 
-<file path=ppt/slides/slide4.xml><?xml version="1.0" encoding="utf-8"?>
+<file path=ppt/slides/slide8.xml><?xml version="1.0" encoding="utf-8"?>
 <p:sld xmlns:a="http://schemas.openxmlformats.org/drawingml/2006/main" xmlns:r="http://schemas.openxmlformats.org/officeDocument/2006/relationships" xmlns:p="http://schemas.openxmlformats.org/presentationml/2006/main">
   <p:cSld>
     <p:spTree>
@@ -4104,7 +6131,7 @@
 </p:sld>
 </file>
 
-<file path=ppt/slides/slide5.xml><?xml version="1.0" encoding="utf-8"?>
+<file path=ppt/slides/slide9.xml><?xml version="1.0" encoding="utf-8"?>
 <p:sld xmlns:a="http://schemas.openxmlformats.org/drawingml/2006/main" xmlns:r="http://schemas.openxmlformats.org/officeDocument/2006/relationships" xmlns:p="http://schemas.openxmlformats.org/presentationml/2006/main">
   <p:cSld>
     <p:spTree>
@@ -4112,7 +6139,7 @@
         <p:cNvPr id="1" name="">
           <a:extLst>
             <a:ext uri="{FF2B5EF4-FFF2-40B4-BE49-F238E27FC236}">
-              <a16:creationId xmlns:a16="http://schemas.microsoft.com/office/drawing/2014/main" id="{4547565A-A0E6-B048-47DC-82AA9EB81B51}"/>
+              <a16:creationId xmlns:a16="http://schemas.microsoft.com/office/drawing/2014/main" id="{259397EC-3863-1EAA-DEC6-4AA1DAAF007E}"/>
             </a:ext>
           </a:extLst>
         </p:cNvPr>
@@ -4132,7 +6159,7 @@
           <p:cNvPr id="2" name="제목 1">
             <a:extLst>
               <a:ext uri="{FF2B5EF4-FFF2-40B4-BE49-F238E27FC236}">
-                <a16:creationId xmlns:a16="http://schemas.microsoft.com/office/drawing/2014/main" id="{BBB437E4-DA45-505F-5609-22A67AC9588E}"/>
+                <a16:creationId xmlns:a16="http://schemas.microsoft.com/office/drawing/2014/main" id="{95355B28-105B-6FAC-48AA-76DB069A33F8}"/>
               </a:ext>
             </a:extLst>
           </p:cNvPr>
@@ -4142,466 +6169,85 @@
           <p:nvPr>
             <p:ph type="title"/>
           </p:nvPr>
+        </p:nvSpPr>
+        <p:spPr/>
+        <p:txBody>
+          <a:bodyPr/>
+          <a:lstStyle/>
+          <a:p>
+            <a:r>
+              <a:rPr lang="ko-KR" altLang="en-US" dirty="0"/>
+              <a:t>전투 개요</a:t>
+            </a:r>
+          </a:p>
+        </p:txBody>
+      </p:sp>
+      <p:sp>
+        <p:nvSpPr>
+          <p:cNvPr id="8" name="TextBox 7">
+            <a:extLst>
+              <a:ext uri="{FF2B5EF4-FFF2-40B4-BE49-F238E27FC236}">
+                <a16:creationId xmlns:a16="http://schemas.microsoft.com/office/drawing/2014/main" id="{69273A86-E999-8B64-67E2-A18FBBD006F4}"/>
+              </a:ext>
+            </a:extLst>
+          </p:cNvPr>
+          <p:cNvSpPr txBox="1"/>
+          <p:nvPr/>
         </p:nvSpPr>
         <p:spPr>
           <a:xfrm>
-            <a:off x="838200" y="365126"/>
-            <a:ext cx="10515600" cy="757504"/>
+            <a:off x="3048755" y="3246597"/>
+            <a:ext cx="6097508" cy="369332"/>
           </a:xfrm>
+          <a:prstGeom prst="rect">
+            <a:avLst/>
+          </a:prstGeom>
+          <a:noFill/>
         </p:spPr>
         <p:txBody>
-          <a:bodyPr>
-            <a:noAutofit/>
+          <a:bodyPr wrap="square">
+            <a:spAutoFit/>
           </a:bodyPr>
           <a:lstStyle/>
           <a:p>
-            <a:r>
-              <a:rPr lang="ko-KR" altLang="en-US" sz="4000" dirty="0"/>
-              <a:t>전투</a:t>
-            </a:r>
-            <a:r>
-              <a:rPr lang="en-US" altLang="ko-KR" sz="4000" dirty="0"/>
-              <a:t> </a:t>
-            </a:r>
-            <a:r>
-              <a:rPr lang="ko-KR" altLang="en-US" sz="4000" dirty="0"/>
-              <a:t>플로우</a:t>
-            </a:r>
-          </a:p>
-        </p:txBody>
-      </p:sp>
+            <a:endParaRPr lang="ko-KR" altLang="en-US" dirty="0"/>
+          </a:p>
+        </p:txBody>
+      </p:sp>
+      <p:pic>
+        <p:nvPicPr>
+          <p:cNvPr id="12" name="그림 11">
+            <a:extLst>
+              <a:ext uri="{FF2B5EF4-FFF2-40B4-BE49-F238E27FC236}">
+                <a16:creationId xmlns:a16="http://schemas.microsoft.com/office/drawing/2014/main" id="{C2C7FCBA-10CC-291D-2B4D-AAD1763E2745}"/>
+              </a:ext>
+            </a:extLst>
+          </p:cNvPr>
+          <p:cNvPicPr>
+            <a:picLocks noChangeAspect="1"/>
+          </p:cNvPicPr>
+          <p:nvPr/>
+        </p:nvPicPr>
+        <p:blipFill>
+          <a:blip r:embed="rId2"/>
+          <a:stretch>
+            <a:fillRect/>
+          </a:stretch>
+        </p:blipFill>
+        <p:spPr>
+          <a:xfrm>
+            <a:off x="1031686" y="1690688"/>
+            <a:ext cx="5011244" cy="3925021"/>
+          </a:xfrm>
+          <a:prstGeom prst="rect">
+            <a:avLst/>
+          </a:prstGeom>
+        </p:spPr>
+      </p:pic>
     </p:spTree>
     <p:extLst>
       <p:ext uri="{BB962C8B-B14F-4D97-AF65-F5344CB8AC3E}">
-        <p14:creationId xmlns:p14="http://schemas.microsoft.com/office/powerpoint/2010/main" val="1850787823"/>
-      </p:ext>
-    </p:extLst>
-  </p:cSld>
-  <p:clrMapOvr>
-    <a:masterClrMapping/>
-  </p:clrMapOvr>
-</p:sld>
-</file>
-
-<file path=ppt/slides/slide6.xml><?xml version="1.0" encoding="utf-8"?>
-<p:sld xmlns:a="http://schemas.openxmlformats.org/drawingml/2006/main" xmlns:r="http://schemas.openxmlformats.org/officeDocument/2006/relationships" xmlns:p="http://schemas.openxmlformats.org/presentationml/2006/main">
-  <p:cSld>
-    <p:spTree>
-      <p:nvGrpSpPr>
-        <p:cNvPr id="1" name=""/>
-        <p:cNvGrpSpPr/>
-        <p:nvPr/>
-      </p:nvGrpSpPr>
-      <p:grpSpPr>
-        <a:xfrm>
-          <a:off x="0" y="0"/>
-          <a:ext cx="0" cy="0"/>
-          <a:chOff x="0" y="0"/>
-          <a:chExt cx="0" cy="0"/>
-        </a:xfrm>
-      </p:grpSpPr>
-      <p:sp>
-        <p:nvSpPr>
-          <p:cNvPr id="2" name="제목 1">
-            <a:extLst>
-              <a:ext uri="{FF2B5EF4-FFF2-40B4-BE49-F238E27FC236}">
-                <a16:creationId xmlns:a16="http://schemas.microsoft.com/office/drawing/2014/main" id="{70BDACF1-DE61-34C4-0630-5889C97C4BC8}"/>
-              </a:ext>
-            </a:extLst>
-          </p:cNvPr>
-          <p:cNvSpPr>
-            <a:spLocks noGrp="1"/>
-          </p:cNvSpPr>
-          <p:nvPr>
-            <p:ph type="title"/>
-          </p:nvPr>
-        </p:nvSpPr>
-        <p:spPr>
-          <a:xfrm>
-            <a:off x="839788" y="365126"/>
-            <a:ext cx="10515600" cy="1001948"/>
-          </a:xfrm>
-        </p:spPr>
-        <p:txBody>
-          <a:bodyPr>
-            <a:normAutofit/>
-          </a:bodyPr>
-          <a:lstStyle/>
-          <a:p>
-            <a:r>
-              <a:rPr lang="ko-KR" altLang="en-US" sz="3500" dirty="0"/>
-              <a:t>조작 변경 안건</a:t>
-            </a:r>
-            <a:r>
-              <a:rPr lang="en-US" altLang="ko-KR" sz="3500" dirty="0"/>
-              <a:t>(</a:t>
-            </a:r>
-            <a:r>
-              <a:rPr lang="ko-KR" altLang="en-US" sz="3500" dirty="0"/>
-              <a:t>회의 필요</a:t>
-            </a:r>
-            <a:r>
-              <a:rPr lang="en-US" altLang="ko-KR" sz="3500" dirty="0"/>
-              <a:t>)</a:t>
-            </a:r>
-            <a:endParaRPr lang="ko-KR" altLang="en-US" sz="3500" dirty="0"/>
-          </a:p>
-        </p:txBody>
-      </p:sp>
-      <p:sp>
-        <p:nvSpPr>
-          <p:cNvPr id="3" name="텍스트 개체 틀 2">
-            <a:extLst>
-              <a:ext uri="{FF2B5EF4-FFF2-40B4-BE49-F238E27FC236}">
-                <a16:creationId xmlns:a16="http://schemas.microsoft.com/office/drawing/2014/main" id="{AEFAA536-7F96-85DD-040B-80C619919092}"/>
-              </a:ext>
-            </a:extLst>
-          </p:cNvPr>
-          <p:cNvSpPr>
-            <a:spLocks noGrp="1"/>
-          </p:cNvSpPr>
-          <p:nvPr>
-            <p:ph type="body" idx="1"/>
-          </p:nvPr>
-        </p:nvSpPr>
-        <p:spPr>
-          <a:xfrm>
-            <a:off x="839788" y="1681163"/>
-            <a:ext cx="5157787" cy="419241"/>
-          </a:xfrm>
-        </p:spPr>
-        <p:txBody>
-          <a:bodyPr>
-            <a:normAutofit lnSpcReduction="10000"/>
-          </a:bodyPr>
-          <a:lstStyle/>
-          <a:p>
-            <a:r>
-              <a:rPr lang="ko-KR" altLang="en-US" dirty="0"/>
-              <a:t>마우스 조작</a:t>
-            </a:r>
-            <a:r>
-              <a:rPr lang="en-US" altLang="ko-KR" dirty="0"/>
-              <a:t>(</a:t>
-            </a:r>
-            <a:r>
-              <a:rPr lang="ko-KR" altLang="en-US" dirty="0"/>
-              <a:t>기존</a:t>
-            </a:r>
-            <a:r>
-              <a:rPr lang="en-US" altLang="ko-KR" dirty="0"/>
-              <a:t>)</a:t>
-            </a:r>
-            <a:endParaRPr lang="ko-KR" altLang="en-US" dirty="0"/>
-          </a:p>
-        </p:txBody>
-      </p:sp>
-      <p:sp>
-        <p:nvSpPr>
-          <p:cNvPr id="4" name="내용 개체 틀 3">
-            <a:extLst>
-              <a:ext uri="{FF2B5EF4-FFF2-40B4-BE49-F238E27FC236}">
-                <a16:creationId xmlns:a16="http://schemas.microsoft.com/office/drawing/2014/main" id="{E039136A-ABCD-93D2-9752-E7812C4DF3F8}"/>
-              </a:ext>
-            </a:extLst>
-          </p:cNvPr>
-          <p:cNvSpPr>
-            <a:spLocks noGrp="1"/>
-          </p:cNvSpPr>
-          <p:nvPr>
-            <p:ph sz="half" idx="2"/>
-          </p:nvPr>
-        </p:nvSpPr>
-        <p:spPr>
-          <a:xfrm>
-            <a:off x="839788" y="2236206"/>
-            <a:ext cx="5157787" cy="3953457"/>
-          </a:xfrm>
-        </p:spPr>
-        <p:txBody>
-          <a:bodyPr>
-            <a:normAutofit/>
-          </a:bodyPr>
-          <a:lstStyle/>
-          <a:p>
-            <a:r>
-              <a:rPr lang="ko-KR" altLang="en-US" sz="2000" dirty="0"/>
-              <a:t>조작방법</a:t>
-            </a:r>
-            <a:r>
-              <a:rPr lang="en-US" altLang="ko-KR" sz="2000" dirty="0"/>
-              <a:t>:</a:t>
-            </a:r>
-          </a:p>
-          <a:p>
-            <a:pPr marL="0" indent="0">
-              <a:buNone/>
-            </a:pPr>
-            <a:r>
-              <a:rPr lang="ko-KR" altLang="en-US" sz="2000" dirty="0"/>
-              <a:t>마우스 우 클릭으로 적 클릭 시 타겟팅</a:t>
-            </a:r>
-            <a:endParaRPr lang="en-US" altLang="ko-KR" sz="2000" dirty="0"/>
-          </a:p>
-          <a:p>
-            <a:pPr marL="0" indent="0">
-              <a:buNone/>
-            </a:pPr>
-            <a:r>
-              <a:rPr lang="ko-KR" altLang="en-US" sz="2000" dirty="0"/>
-              <a:t>바닥에 우 클릭 시 해당 지점으로 이동</a:t>
-            </a:r>
-            <a:endParaRPr lang="en-US" altLang="ko-KR" sz="2000" dirty="0"/>
-          </a:p>
-          <a:p>
-            <a:r>
-              <a:rPr lang="ko-KR" altLang="en-US" sz="2000" dirty="0"/>
-              <a:t>장점</a:t>
-            </a:r>
-            <a:r>
-              <a:rPr lang="en-US" altLang="ko-KR" sz="2000" dirty="0"/>
-              <a:t>:</a:t>
-            </a:r>
-          </a:p>
-          <a:p>
-            <a:pPr marL="0" indent="0">
-              <a:buNone/>
-            </a:pPr>
-            <a:r>
-              <a:rPr lang="ko-KR" altLang="en-US" sz="2000" dirty="0"/>
-              <a:t>키보드 키에 기능 배정 시 여유로움</a:t>
-            </a:r>
-            <a:endParaRPr lang="en-US" altLang="ko-KR" sz="2000" dirty="0"/>
-          </a:p>
-          <a:p>
-            <a:pPr marL="0" indent="0">
-              <a:buNone/>
-            </a:pPr>
-            <a:r>
-              <a:rPr lang="ko-KR" altLang="en-US" sz="2000" dirty="0"/>
-              <a:t>왼손이 편함</a:t>
-            </a:r>
-            <a:endParaRPr lang="en-US" altLang="ko-KR" sz="2000" dirty="0"/>
-          </a:p>
-          <a:p>
-            <a:r>
-              <a:rPr lang="ko-KR" altLang="en-US" sz="2000" dirty="0"/>
-              <a:t>단점</a:t>
-            </a:r>
-            <a:r>
-              <a:rPr lang="en-US" altLang="ko-KR" sz="2000" dirty="0"/>
-              <a:t>:</a:t>
-            </a:r>
-          </a:p>
-          <a:p>
-            <a:pPr marL="0" indent="0">
-              <a:buNone/>
-            </a:pPr>
-            <a:r>
-              <a:rPr lang="ko-KR" altLang="en-US" sz="2000" dirty="0"/>
-              <a:t>마우스에 많은 기능을 넣어서 조작이 불편함</a:t>
-            </a:r>
-            <a:endParaRPr lang="en-US" altLang="ko-KR" sz="2000" dirty="0"/>
-          </a:p>
-        </p:txBody>
-      </p:sp>
-      <p:sp>
-        <p:nvSpPr>
-          <p:cNvPr id="5" name="텍스트 개체 틀 4">
-            <a:extLst>
-              <a:ext uri="{FF2B5EF4-FFF2-40B4-BE49-F238E27FC236}">
-                <a16:creationId xmlns:a16="http://schemas.microsoft.com/office/drawing/2014/main" id="{2BBC84CE-1C29-D1F0-EF9B-04A17C9E989E}"/>
-              </a:ext>
-            </a:extLst>
-          </p:cNvPr>
-          <p:cNvSpPr>
-            <a:spLocks noGrp="1"/>
-          </p:cNvSpPr>
-          <p:nvPr>
-            <p:ph type="body" sz="quarter" idx="3"/>
-          </p:nvPr>
-        </p:nvSpPr>
-        <p:spPr>
-          <a:xfrm>
-            <a:off x="6172200" y="1681163"/>
-            <a:ext cx="5183188" cy="419241"/>
-          </a:xfrm>
-        </p:spPr>
-        <p:txBody>
-          <a:bodyPr>
-            <a:normAutofit lnSpcReduction="10000"/>
-          </a:bodyPr>
-          <a:lstStyle/>
-          <a:p>
-            <a:r>
-              <a:rPr lang="ko-KR" altLang="en-US" dirty="0"/>
-              <a:t>키보드 조작</a:t>
-            </a:r>
-          </a:p>
-        </p:txBody>
-      </p:sp>
-      <p:sp>
-        <p:nvSpPr>
-          <p:cNvPr id="6" name="내용 개체 틀 5">
-            <a:extLst>
-              <a:ext uri="{FF2B5EF4-FFF2-40B4-BE49-F238E27FC236}">
-                <a16:creationId xmlns:a16="http://schemas.microsoft.com/office/drawing/2014/main" id="{8E7C2A94-8388-AC9D-2DC4-EF747C96292A}"/>
-              </a:ext>
-            </a:extLst>
-          </p:cNvPr>
-          <p:cNvSpPr>
-            <a:spLocks noGrp="1"/>
-          </p:cNvSpPr>
-          <p:nvPr>
-            <p:ph sz="quarter" idx="4"/>
-          </p:nvPr>
-        </p:nvSpPr>
-        <p:spPr>
-          <a:xfrm>
-            <a:off x="6172200" y="2236206"/>
-            <a:ext cx="5183188" cy="3953457"/>
-          </a:xfrm>
-        </p:spPr>
-        <p:txBody>
-          <a:bodyPr>
-            <a:normAutofit/>
-          </a:bodyPr>
-          <a:lstStyle/>
-          <a:p>
-            <a:r>
-              <a:rPr lang="ko-KR" altLang="en-US" sz="2000" dirty="0"/>
-              <a:t>조작방법</a:t>
-            </a:r>
-            <a:r>
-              <a:rPr lang="en-US" altLang="ko-KR" sz="2000" dirty="0"/>
-              <a:t>:</a:t>
-            </a:r>
-          </a:p>
-          <a:p>
-            <a:pPr marL="0" indent="0">
-              <a:buNone/>
-            </a:pPr>
-            <a:r>
-              <a:rPr lang="en-US" altLang="ko-KR" sz="2000" dirty="0"/>
-              <a:t>1.WASD </a:t>
-            </a:r>
-            <a:r>
-              <a:rPr lang="ko-KR" altLang="en-US" sz="2000" dirty="0"/>
-              <a:t>이동</a:t>
-            </a:r>
-            <a:endParaRPr lang="en-US" altLang="ko-KR" sz="2000" dirty="0"/>
-          </a:p>
-          <a:p>
-            <a:pPr marL="0" indent="0">
-              <a:buNone/>
-            </a:pPr>
-            <a:r>
-              <a:rPr lang="en-US" altLang="ko-KR" sz="2000" dirty="0"/>
-              <a:t>2.</a:t>
-            </a:r>
-            <a:r>
-              <a:rPr lang="ko-KR" altLang="en-US" sz="2000" dirty="0"/>
-              <a:t>방향 키 이동</a:t>
-            </a:r>
-            <a:endParaRPr lang="en-US" altLang="ko-KR" sz="2000" dirty="0"/>
-          </a:p>
-          <a:p>
-            <a:r>
-              <a:rPr lang="ko-KR" altLang="en-US" sz="2000" dirty="0"/>
-              <a:t>장점</a:t>
-            </a:r>
-            <a:r>
-              <a:rPr lang="en-US" altLang="ko-KR" sz="2000" dirty="0"/>
-              <a:t>:</a:t>
-            </a:r>
-          </a:p>
-          <a:p>
-            <a:pPr marL="0" indent="0">
-              <a:buNone/>
-            </a:pPr>
-            <a:r>
-              <a:rPr lang="en-US" altLang="ko-KR" sz="2000" dirty="0"/>
-              <a:t>1.wasd-</a:t>
-            </a:r>
-            <a:r>
-              <a:rPr lang="ko-KR" altLang="en-US" sz="2000" dirty="0"/>
-              <a:t>익숙함</a:t>
-            </a:r>
-            <a:endParaRPr lang="en-US" altLang="ko-KR" sz="2000" dirty="0"/>
-          </a:p>
-          <a:p>
-            <a:pPr marL="0" indent="0">
-              <a:buNone/>
-            </a:pPr>
-            <a:r>
-              <a:rPr lang="en-US" altLang="ko-KR" sz="2000" dirty="0"/>
-              <a:t>2.</a:t>
-            </a:r>
-            <a:r>
-              <a:rPr lang="ko-KR" altLang="en-US" sz="2000" dirty="0"/>
-              <a:t>방향 키</a:t>
-            </a:r>
-            <a:r>
-              <a:rPr lang="en-US" altLang="ko-KR" sz="2000" dirty="0"/>
-              <a:t>-</a:t>
-            </a:r>
-            <a:r>
-              <a:rPr lang="ko-KR" altLang="en-US" sz="2000" dirty="0"/>
-              <a:t>스킬 키 분배가 쉬움</a:t>
-            </a:r>
-            <a:endParaRPr lang="en-US" altLang="ko-KR" sz="2000" dirty="0"/>
-          </a:p>
-          <a:p>
-            <a:r>
-              <a:rPr lang="ko-KR" altLang="en-US" sz="2000" dirty="0"/>
-              <a:t>단점</a:t>
-            </a:r>
-            <a:r>
-              <a:rPr lang="en-US" altLang="ko-KR" sz="2000" dirty="0"/>
-              <a:t>:</a:t>
-            </a:r>
-          </a:p>
-          <a:p>
-            <a:pPr marL="0" indent="0">
-              <a:buNone/>
-            </a:pPr>
-            <a:r>
-              <a:rPr lang="en-US" altLang="ko-KR" sz="2000" dirty="0"/>
-              <a:t>1.wasd-</a:t>
-            </a:r>
-            <a:r>
-              <a:rPr lang="ko-KR" altLang="en-US" sz="2000" dirty="0"/>
-              <a:t>스킬 키 분배가 불편함</a:t>
-            </a:r>
-            <a:endParaRPr lang="en-US" altLang="ko-KR" sz="2000" dirty="0"/>
-          </a:p>
-          <a:p>
-            <a:pPr marL="0" indent="0">
-              <a:buNone/>
-            </a:pPr>
-            <a:r>
-              <a:rPr lang="en-US" altLang="ko-KR" sz="2000" dirty="0"/>
-              <a:t>2.</a:t>
-            </a:r>
-            <a:r>
-              <a:rPr lang="ko-KR" altLang="en-US" sz="2000" dirty="0"/>
-              <a:t>방향키</a:t>
-            </a:r>
-            <a:r>
-              <a:rPr lang="en-US" altLang="ko-KR" sz="2000" dirty="0"/>
-              <a:t>-</a:t>
-            </a:r>
-            <a:r>
-              <a:rPr lang="ko-KR" altLang="en-US" sz="2000" dirty="0"/>
-              <a:t>오른손으로 조작해서 마우스를 쓰기 힘듦</a:t>
-            </a:r>
-          </a:p>
-        </p:txBody>
-      </p:sp>
-    </p:spTree>
-    <p:extLst>
-      <p:ext uri="{BB962C8B-B14F-4D97-AF65-F5344CB8AC3E}">
-        <p14:creationId xmlns:p14="http://schemas.microsoft.com/office/powerpoint/2010/main" val="602352662"/>
+        <p14:creationId xmlns:p14="http://schemas.microsoft.com/office/powerpoint/2010/main" val="2219001459"/>
       </p:ext>
     </p:extLst>
   </p:cSld>
@@ -4924,4 +6570,319 @@
     </a:ext>
   </a:extLst>
 </a:theme>
+</file>
+
+<file path=ppt/theme/theme2.xml><?xml version="1.0" encoding="utf-8"?>
+<a:theme xmlns:a="http://schemas.openxmlformats.org/drawingml/2006/main" name="Office 테마">
+  <a:themeElements>
+    <a:clrScheme name="Office">
+      <a:dk1>
+        <a:sysClr val="windowText" lastClr="000000"/>
+      </a:dk1>
+      <a:lt1>
+        <a:sysClr val="window" lastClr="FFFFFF"/>
+      </a:lt1>
+      <a:dk2>
+        <a:srgbClr val="0E2841"/>
+      </a:dk2>
+      <a:lt2>
+        <a:srgbClr val="E8E8E8"/>
+      </a:lt2>
+      <a:accent1>
+        <a:srgbClr val="156082"/>
+      </a:accent1>
+      <a:accent2>
+        <a:srgbClr val="E97132"/>
+      </a:accent2>
+      <a:accent3>
+        <a:srgbClr val="196B24"/>
+      </a:accent3>
+      <a:accent4>
+        <a:srgbClr val="0F9ED5"/>
+      </a:accent4>
+      <a:accent5>
+        <a:srgbClr val="A02B93"/>
+      </a:accent5>
+      <a:accent6>
+        <a:srgbClr val="4EA72E"/>
+      </a:accent6>
+      <a:hlink>
+        <a:srgbClr val="467886"/>
+      </a:hlink>
+      <a:folHlink>
+        <a:srgbClr val="96607D"/>
+      </a:folHlink>
+    </a:clrScheme>
+    <a:fontScheme name="Office">
+      <a:majorFont>
+        <a:latin typeface="맑은 고딕" panose="02110004020202020204"/>
+        <a:ea typeface=""/>
+        <a:cs typeface=""/>
+        <a:font script="Jpan" typeface="游ゴシック Light"/>
+        <a:font script="Hang" typeface="맑은 고딕"/>
+        <a:font script="Hans" typeface="等线 Light"/>
+        <a:font script="Hant" typeface="新細明體"/>
+        <a:font script="Arab" typeface="Times New Roman"/>
+        <a:font script="Hebr" typeface="Times New Roman"/>
+        <a:font script="Thai" typeface="Angsana New"/>
+        <a:font script="Ethi" typeface="Nyala"/>
+        <a:font script="Beng" typeface="Vrinda"/>
+        <a:font script="Gujr" typeface="Shruti"/>
+        <a:font script="Khmr" typeface="MoolBoran"/>
+        <a:font script="Knda" typeface="Tunga"/>
+        <a:font script="Guru" typeface="Raavi"/>
+        <a:font script="Cans" typeface="Euphemia"/>
+        <a:font script="Cher" typeface="Plantagenet Cherokee"/>
+        <a:font script="Yiii" typeface="Microsoft Yi Baiti"/>
+        <a:font script="Tibt" typeface="Microsoft Himalaya"/>
+        <a:font script="Thaa" typeface="MV Boli"/>
+        <a:font script="Deva" typeface="Mangal"/>
+        <a:font script="Telu" typeface="Gautami"/>
+        <a:font script="Taml" typeface="Latha"/>
+        <a:font script="Syrc" typeface="Estrangelo Edessa"/>
+        <a:font script="Orya" typeface="Kalinga"/>
+        <a:font script="Mlym" typeface="Kartika"/>
+        <a:font script="Laoo" typeface="DokChampa"/>
+        <a:font script="Sinh" typeface="Iskoola Pota"/>
+        <a:font script="Mong" typeface="Mongolian Baiti"/>
+        <a:font script="Viet" typeface="Times New Roman"/>
+        <a:font script="Uigh" typeface="Microsoft Uighur"/>
+        <a:font script="Geor" typeface="Sylfaen"/>
+        <a:font script="Armn" typeface="Arial"/>
+        <a:font script="Bugi" typeface="Leelawadee UI"/>
+        <a:font script="Bopo" typeface="Microsoft JhengHei"/>
+        <a:font script="Java" typeface="Javanese Text"/>
+        <a:font script="Lisu" typeface="Segoe UI"/>
+        <a:font script="Mymr" typeface="Myanmar Text"/>
+        <a:font script="Nkoo" typeface="Ebrima"/>
+        <a:font script="Olck" typeface="Nirmala UI"/>
+        <a:font script="Osma" typeface="Ebrima"/>
+        <a:font script="Phag" typeface="Phagspa"/>
+        <a:font script="Syrn" typeface="Estrangelo Edessa"/>
+        <a:font script="Syrj" typeface="Estrangelo Edessa"/>
+        <a:font script="Syre" typeface="Estrangelo Edessa"/>
+        <a:font script="Sora" typeface="Nirmala UI"/>
+        <a:font script="Tale" typeface="Microsoft Tai Le"/>
+        <a:font script="Talu" typeface="Microsoft New Tai Lue"/>
+        <a:font script="Tfng" typeface="Ebrima"/>
+      </a:majorFont>
+      <a:minorFont>
+        <a:latin typeface="맑은 고딕" panose="02110004020202020204"/>
+        <a:ea typeface=""/>
+        <a:cs typeface=""/>
+        <a:font script="Jpan" typeface="游ゴシック"/>
+        <a:font script="Hang" typeface="맑은 고딕"/>
+        <a:font script="Hans" typeface="等线"/>
+        <a:font script="Hant" typeface="新細明體"/>
+        <a:font script="Arab" typeface="Arial"/>
+        <a:font script="Hebr" typeface="Arial"/>
+        <a:font script="Thai" typeface="Cordia New"/>
+        <a:font script="Ethi" typeface="Nyala"/>
+        <a:font script="Beng" typeface="Vrinda"/>
+        <a:font script="Gujr" typeface="Shruti"/>
+        <a:font script="Khmr" typeface="DaunPenh"/>
+        <a:font script="Knda" typeface="Tunga"/>
+        <a:font script="Guru" typeface="Raavi"/>
+        <a:font script="Cans" typeface="Euphemia"/>
+        <a:font script="Cher" typeface="Plantagenet Cherokee"/>
+        <a:font script="Yiii" typeface="Microsoft Yi Baiti"/>
+        <a:font script="Tibt" typeface="Microsoft Himalaya"/>
+        <a:font script="Thaa" typeface="MV Boli"/>
+        <a:font script="Deva" typeface="Mangal"/>
+        <a:font script="Telu" typeface="Gautami"/>
+        <a:font script="Taml" typeface="Latha"/>
+        <a:font script="Syrc" typeface="Estrangelo Edessa"/>
+        <a:font script="Orya" typeface="Kalinga"/>
+        <a:font script="Mlym" typeface="Kartika"/>
+        <a:font script="Laoo" typeface="DokChampa"/>
+        <a:font script="Sinh" typeface="Iskoola Pota"/>
+        <a:font script="Mong" typeface="Mongolian Baiti"/>
+        <a:font script="Viet" typeface="Arial"/>
+        <a:font script="Uigh" typeface="Microsoft Uighur"/>
+        <a:font script="Geor" typeface="Sylfaen"/>
+        <a:font script="Armn" typeface="Arial"/>
+        <a:font script="Bugi" typeface="Leelawadee UI"/>
+        <a:font script="Bopo" typeface="Microsoft JhengHei"/>
+        <a:font script="Java" typeface="Javanese Text"/>
+        <a:font script="Lisu" typeface="Segoe UI"/>
+        <a:font script="Mymr" typeface="Myanmar Text"/>
+        <a:font script="Nkoo" typeface="Ebrima"/>
+        <a:font script="Olck" typeface="Nirmala UI"/>
+        <a:font script="Osma" typeface="Ebrima"/>
+        <a:font script="Phag" typeface="Phagspa"/>
+        <a:font script="Syrn" typeface="Estrangelo Edessa"/>
+        <a:font script="Syrj" typeface="Estrangelo Edessa"/>
+        <a:font script="Syre" typeface="Estrangelo Edessa"/>
+        <a:font script="Sora" typeface="Nirmala UI"/>
+        <a:font script="Tale" typeface="Microsoft Tai Le"/>
+        <a:font script="Talu" typeface="Microsoft New Tai Lue"/>
+        <a:font script="Tfng" typeface="Ebrima"/>
+      </a:minorFont>
+    </a:fontScheme>
+    <a:fmtScheme name="Office">
+      <a:fillStyleLst>
+        <a:solidFill>
+          <a:schemeClr val="phClr"/>
+        </a:solidFill>
+        <a:gradFill rotWithShape="1">
+          <a:gsLst>
+            <a:gs pos="0">
+              <a:schemeClr val="phClr">
+                <a:lumMod val="110000"/>
+                <a:satMod val="105000"/>
+                <a:tint val="67000"/>
+              </a:schemeClr>
+            </a:gs>
+            <a:gs pos="50000">
+              <a:schemeClr val="phClr">
+                <a:lumMod val="105000"/>
+                <a:satMod val="103000"/>
+                <a:tint val="73000"/>
+              </a:schemeClr>
+            </a:gs>
+            <a:gs pos="100000">
+              <a:schemeClr val="phClr">
+                <a:lumMod val="105000"/>
+                <a:satMod val="109000"/>
+                <a:tint val="81000"/>
+              </a:schemeClr>
+            </a:gs>
+          </a:gsLst>
+          <a:lin ang="5400000" scaled="0"/>
+        </a:gradFill>
+        <a:gradFill rotWithShape="1">
+          <a:gsLst>
+            <a:gs pos="0">
+              <a:schemeClr val="phClr">
+                <a:satMod val="103000"/>
+                <a:lumMod val="102000"/>
+                <a:tint val="94000"/>
+              </a:schemeClr>
+            </a:gs>
+            <a:gs pos="50000">
+              <a:schemeClr val="phClr">
+                <a:satMod val="110000"/>
+                <a:lumMod val="100000"/>
+                <a:shade val="100000"/>
+              </a:schemeClr>
+            </a:gs>
+            <a:gs pos="100000">
+              <a:schemeClr val="phClr">
+                <a:lumMod val="99000"/>
+                <a:satMod val="120000"/>
+                <a:shade val="78000"/>
+              </a:schemeClr>
+            </a:gs>
+          </a:gsLst>
+          <a:lin ang="5400000" scaled="0"/>
+        </a:gradFill>
+      </a:fillStyleLst>
+      <a:lnStyleLst>
+        <a:ln w="12700" cap="flat" cmpd="sng" algn="ctr">
+          <a:solidFill>
+            <a:schemeClr val="phClr"/>
+          </a:solidFill>
+          <a:prstDash val="solid"/>
+          <a:miter lim="800000"/>
+        </a:ln>
+        <a:ln w="19050" cap="flat" cmpd="sng" algn="ctr">
+          <a:solidFill>
+            <a:schemeClr val="phClr"/>
+          </a:solidFill>
+          <a:prstDash val="solid"/>
+          <a:miter lim="800000"/>
+        </a:ln>
+        <a:ln w="25400" cap="flat" cmpd="sng" algn="ctr">
+          <a:solidFill>
+            <a:schemeClr val="phClr"/>
+          </a:solidFill>
+          <a:prstDash val="solid"/>
+          <a:miter lim="800000"/>
+        </a:ln>
+      </a:lnStyleLst>
+      <a:effectStyleLst>
+        <a:effectStyle>
+          <a:effectLst/>
+        </a:effectStyle>
+        <a:effectStyle>
+          <a:effectLst/>
+        </a:effectStyle>
+        <a:effectStyle>
+          <a:effectLst>
+            <a:outerShdw blurRad="57150" dist="19050" dir="5400000" algn="ctr" rotWithShape="0">
+              <a:srgbClr val="000000">
+                <a:alpha val="63000"/>
+              </a:srgbClr>
+            </a:outerShdw>
+          </a:effectLst>
+        </a:effectStyle>
+      </a:effectStyleLst>
+      <a:bgFillStyleLst>
+        <a:solidFill>
+          <a:schemeClr val="phClr"/>
+        </a:solidFill>
+        <a:solidFill>
+          <a:schemeClr val="phClr">
+            <a:tint val="95000"/>
+            <a:satMod val="170000"/>
+          </a:schemeClr>
+        </a:solidFill>
+        <a:gradFill rotWithShape="1">
+          <a:gsLst>
+            <a:gs pos="0">
+              <a:schemeClr val="phClr">
+                <a:tint val="93000"/>
+                <a:satMod val="150000"/>
+                <a:shade val="98000"/>
+                <a:lumMod val="102000"/>
+              </a:schemeClr>
+            </a:gs>
+            <a:gs pos="50000">
+              <a:schemeClr val="phClr">
+                <a:tint val="98000"/>
+                <a:satMod val="130000"/>
+                <a:shade val="90000"/>
+                <a:lumMod val="103000"/>
+              </a:schemeClr>
+            </a:gs>
+            <a:gs pos="100000">
+              <a:schemeClr val="phClr">
+                <a:shade val="63000"/>
+                <a:satMod val="120000"/>
+              </a:schemeClr>
+            </a:gs>
+          </a:gsLst>
+          <a:lin ang="5400000" scaled="0"/>
+        </a:gradFill>
+      </a:bgFillStyleLst>
+    </a:fmtScheme>
+  </a:themeElements>
+  <a:objectDefaults>
+    <a:lnDef>
+      <a:spPr/>
+      <a:bodyPr/>
+      <a:lstStyle/>
+      <a:style>
+        <a:lnRef idx="2">
+          <a:schemeClr val="accent1"/>
+        </a:lnRef>
+        <a:fillRef idx="0">
+          <a:schemeClr val="accent1"/>
+        </a:fillRef>
+        <a:effectRef idx="1">
+          <a:schemeClr val="accent1"/>
+        </a:effectRef>
+        <a:fontRef idx="minor">
+          <a:schemeClr val="tx1"/>
+        </a:fontRef>
+      </a:style>
+    </a:lnDef>
+  </a:objectDefaults>
+  <a:extraClrSchemeLst/>
+  <a:extLst>
+    <a:ext uri="{05A4C25C-085E-4340-85A3-A5531E510DB2}">
+      <thm15:themeFamily xmlns:thm15="http://schemas.microsoft.com/office/thememl/2012/main" name="Office Theme" id="{2E142A2C-CD16-42D6-873A-C26D2A0506FA}" vid="{1BDDFF52-6CD6-40A5-AB3C-68EB2F1E4D0A}"/>
+    </a:ext>
+  </a:extLst>
+</a:theme>
 </file>